--- a/Presentation/Processing and Preprocessing.pptx
+++ b/Presentation/Processing and Preprocessing.pptx
@@ -3934,6 +3934,13 @@
         </dgm:presLayoutVars>
       </dgm:prSet>
       <dgm:spPr/>
+      <dgm:t>
+        <a:bodyPr/>
+        <a:lstStyle/>
+        <a:p>
+          <a:endParaRPr lang="en-US"/>
+        </a:p>
+      </dgm:t>
     </dgm:pt>
     <dgm:pt modelId="{330858EE-B309-4A73-AEC6-786C02D40C14}" type="pres">
       <dgm:prSet presAssocID="{8A66C8D6-201A-4E52-A4BC-8470D79CE1DA}" presName="dummyMaxCanvas" presStyleCnt="0">
@@ -3948,6 +3955,13 @@
         </dgm:presLayoutVars>
       </dgm:prSet>
       <dgm:spPr/>
+      <dgm:t>
+        <a:bodyPr/>
+        <a:lstStyle/>
+        <a:p>
+          <a:endParaRPr lang="en-US"/>
+        </a:p>
+      </dgm:t>
     </dgm:pt>
     <dgm:pt modelId="{D17B1996-C327-4802-AA7A-A5560DA76C88}" type="pres">
       <dgm:prSet presAssocID="{8A66C8D6-201A-4E52-A4BC-8470D79CE1DA}" presName="FourNodes_2" presStyleLbl="node1" presStyleIdx="1" presStyleCnt="4">
@@ -3956,6 +3970,13 @@
         </dgm:presLayoutVars>
       </dgm:prSet>
       <dgm:spPr/>
+      <dgm:t>
+        <a:bodyPr/>
+        <a:lstStyle/>
+        <a:p>
+          <a:endParaRPr lang="en-US"/>
+        </a:p>
+      </dgm:t>
     </dgm:pt>
     <dgm:pt modelId="{3D95CA79-E897-4494-B86C-0B2A227C4B0F}" type="pres">
       <dgm:prSet presAssocID="{8A66C8D6-201A-4E52-A4BC-8470D79CE1DA}" presName="FourNodes_3" presStyleLbl="node1" presStyleIdx="2" presStyleCnt="4">
@@ -3964,6 +3985,13 @@
         </dgm:presLayoutVars>
       </dgm:prSet>
       <dgm:spPr/>
+      <dgm:t>
+        <a:bodyPr/>
+        <a:lstStyle/>
+        <a:p>
+          <a:endParaRPr lang="en-US"/>
+        </a:p>
+      </dgm:t>
     </dgm:pt>
     <dgm:pt modelId="{A1F2972E-F624-4BAE-AA1E-26EA20EAC369}" type="pres">
       <dgm:prSet presAssocID="{8A66C8D6-201A-4E52-A4BC-8470D79CE1DA}" presName="FourNodes_4" presStyleLbl="node1" presStyleIdx="3" presStyleCnt="4">
@@ -3972,6 +4000,13 @@
         </dgm:presLayoutVars>
       </dgm:prSet>
       <dgm:spPr/>
+      <dgm:t>
+        <a:bodyPr/>
+        <a:lstStyle/>
+        <a:p>
+          <a:endParaRPr lang="en-US"/>
+        </a:p>
+      </dgm:t>
     </dgm:pt>
     <dgm:pt modelId="{C31F379E-621E-4D94-81E5-B865CC4BD481}" type="pres">
       <dgm:prSet presAssocID="{8A66C8D6-201A-4E52-A4BC-8470D79CE1DA}" presName="FourConn_1-2" presStyleLbl="fgAccFollowNode1" presStyleIdx="0" presStyleCnt="3">
@@ -3980,6 +4015,13 @@
         </dgm:presLayoutVars>
       </dgm:prSet>
       <dgm:spPr/>
+      <dgm:t>
+        <a:bodyPr/>
+        <a:lstStyle/>
+        <a:p>
+          <a:endParaRPr lang="en-US"/>
+        </a:p>
+      </dgm:t>
     </dgm:pt>
     <dgm:pt modelId="{4EB01168-DBA4-4F75-B42B-6A2C9E0C65C5}" type="pres">
       <dgm:prSet presAssocID="{8A66C8D6-201A-4E52-A4BC-8470D79CE1DA}" presName="FourConn_2-3" presStyleLbl="fgAccFollowNode1" presStyleIdx="1" presStyleCnt="3">
@@ -3988,6 +4030,13 @@
         </dgm:presLayoutVars>
       </dgm:prSet>
       <dgm:spPr/>
+      <dgm:t>
+        <a:bodyPr/>
+        <a:lstStyle/>
+        <a:p>
+          <a:endParaRPr lang="en-US"/>
+        </a:p>
+      </dgm:t>
     </dgm:pt>
     <dgm:pt modelId="{1052C56A-32D1-42F4-B8A6-9F006D472FBA}" type="pres">
       <dgm:prSet presAssocID="{8A66C8D6-201A-4E52-A4BC-8470D79CE1DA}" presName="FourConn_3-4" presStyleLbl="fgAccFollowNode1" presStyleIdx="2" presStyleCnt="3">
@@ -3996,6 +4045,13 @@
         </dgm:presLayoutVars>
       </dgm:prSet>
       <dgm:spPr/>
+      <dgm:t>
+        <a:bodyPr/>
+        <a:lstStyle/>
+        <a:p>
+          <a:endParaRPr lang="en-US"/>
+        </a:p>
+      </dgm:t>
     </dgm:pt>
     <dgm:pt modelId="{95FB41FE-595C-4739-9085-85CF0A231C60}" type="pres">
       <dgm:prSet presAssocID="{8A66C8D6-201A-4E52-A4BC-8470D79CE1DA}" presName="FourNodes_1_text" presStyleLbl="node1" presStyleIdx="3" presStyleCnt="4">
@@ -4004,6 +4060,13 @@
         </dgm:presLayoutVars>
       </dgm:prSet>
       <dgm:spPr/>
+      <dgm:t>
+        <a:bodyPr/>
+        <a:lstStyle/>
+        <a:p>
+          <a:endParaRPr lang="en-US"/>
+        </a:p>
+      </dgm:t>
     </dgm:pt>
     <dgm:pt modelId="{6CC235FB-C114-4895-AF5A-71C906A7E917}" type="pres">
       <dgm:prSet presAssocID="{8A66C8D6-201A-4E52-A4BC-8470D79CE1DA}" presName="FourNodes_2_text" presStyleLbl="node1" presStyleIdx="3" presStyleCnt="4">
@@ -4012,6 +4075,13 @@
         </dgm:presLayoutVars>
       </dgm:prSet>
       <dgm:spPr/>
+      <dgm:t>
+        <a:bodyPr/>
+        <a:lstStyle/>
+        <a:p>
+          <a:endParaRPr lang="en-US"/>
+        </a:p>
+      </dgm:t>
     </dgm:pt>
     <dgm:pt modelId="{9024C8D0-A5C9-4EA5-8C61-F48CAFB57E5C}" type="pres">
       <dgm:prSet presAssocID="{8A66C8D6-201A-4E52-A4BC-8470D79CE1DA}" presName="FourNodes_3_text" presStyleLbl="node1" presStyleIdx="3" presStyleCnt="4">
@@ -4020,6 +4090,13 @@
         </dgm:presLayoutVars>
       </dgm:prSet>
       <dgm:spPr/>
+      <dgm:t>
+        <a:bodyPr/>
+        <a:lstStyle/>
+        <a:p>
+          <a:endParaRPr lang="en-US"/>
+        </a:p>
+      </dgm:t>
     </dgm:pt>
     <dgm:pt modelId="{621DD3E9-7436-4027-A775-149061B7416C}" type="pres">
       <dgm:prSet presAssocID="{8A66C8D6-201A-4E52-A4BC-8470D79CE1DA}" presName="FourNodes_4_text" presStyleLbl="node1" presStyleIdx="3" presStyleCnt="4">
@@ -4028,37 +4105,44 @@
         </dgm:presLayoutVars>
       </dgm:prSet>
       <dgm:spPr/>
+      <dgm:t>
+        <a:bodyPr/>
+        <a:lstStyle/>
+        <a:p>
+          <a:endParaRPr lang="en-US"/>
+        </a:p>
+      </dgm:t>
     </dgm:pt>
   </dgm:ptLst>
   <dgm:cxnLst>
+    <dgm:cxn modelId="{29A8789C-186A-4891-AE83-8BE1500998A3}" srcId="{8A66C8D6-201A-4E52-A4BC-8470D79CE1DA}" destId="{60215ECD-7FFD-45B7-82F3-DD5C2E144A8F}" srcOrd="1" destOrd="0" parTransId="{F7A93F31-809E-48F6-BA86-D44A5EDD3415}" sibTransId="{09CA6511-8E1F-437E-8E3E-B190A92A1704}"/>
+    <dgm:cxn modelId="{10410637-E03C-4EA6-90EF-737BDE5F45A4}" type="presOf" srcId="{B4D2CDE3-E28F-48E6-84B0-D7548B11DD1D}" destId="{9024C8D0-A5C9-4EA5-8C61-F48CAFB57E5C}" srcOrd="1" destOrd="1" presId="urn:microsoft.com/office/officeart/2005/8/layout/vProcess5"/>
+    <dgm:cxn modelId="{77D0837F-DF40-40EE-8A90-B1F51ECB291A}" type="presOf" srcId="{A2FF43E7-12B6-4FC3-8A78-A3C258F057BF}" destId="{95FB41FE-595C-4739-9085-85CF0A231C60}" srcOrd="1" destOrd="1" presId="urn:microsoft.com/office/officeart/2005/8/layout/vProcess5"/>
+    <dgm:cxn modelId="{8D94A78F-EAD6-4CF3-AD02-D57B409CEA2F}" type="presOf" srcId="{A2FF43E7-12B6-4FC3-8A78-A3C258F057BF}" destId="{9BAF046D-E6EE-4F80-B341-BA32C5D338E9}" srcOrd="0" destOrd="1" presId="urn:microsoft.com/office/officeart/2005/8/layout/vProcess5"/>
+    <dgm:cxn modelId="{15EB53AC-04F1-4460-AE0C-257EDD1F8897}" type="presOf" srcId="{60215ECD-7FFD-45B7-82F3-DD5C2E144A8F}" destId="{D17B1996-C327-4802-AA7A-A5560DA76C88}" srcOrd="0" destOrd="0" presId="urn:microsoft.com/office/officeart/2005/8/layout/vProcess5"/>
+    <dgm:cxn modelId="{F735A248-9252-490A-9BAE-23484B51C096}" type="presOf" srcId="{09CA6511-8E1F-437E-8E3E-B190A92A1704}" destId="{4EB01168-DBA4-4F75-B42B-6A2C9E0C65C5}" srcOrd="0" destOrd="0" presId="urn:microsoft.com/office/officeart/2005/8/layout/vProcess5"/>
+    <dgm:cxn modelId="{B990CF2A-66A0-4BCC-80AB-6A6FE9AB87CD}" type="presOf" srcId="{C04C8E80-83F7-438C-BCFD-6BCF3DA34C8A}" destId="{1052C56A-32D1-42F4-B8A6-9F006D472FBA}" srcOrd="0" destOrd="0" presId="urn:microsoft.com/office/officeart/2005/8/layout/vProcess5"/>
+    <dgm:cxn modelId="{74D6BF7E-597A-4115-AB97-FCA89AD94E41}" type="presOf" srcId="{DA624E31-6B5F-4A02-89C0-6FB8A2000F1D}" destId="{C31F379E-621E-4D94-81E5-B865CC4BD481}" srcOrd="0" destOrd="0" presId="urn:microsoft.com/office/officeart/2005/8/layout/vProcess5"/>
+    <dgm:cxn modelId="{EDB79033-FD0E-4E74-9D80-F3D2C957A01F}" srcId="{9ABB07AE-D666-4C51-B442-2127785AA3CE}" destId="{D9DDFF8E-5DC5-44F6-A137-9ACC5374AB06}" srcOrd="0" destOrd="0" parTransId="{1A76CBA4-0051-4542-B4CA-DDE0360A4B52}" sibTransId="{6E8C1253-924A-4532-B2CB-DFD164848D91}"/>
     <dgm:cxn modelId="{B8496E01-0D94-4B17-B390-C82A5A6DE540}" type="presOf" srcId="{B4D2CDE3-E28F-48E6-84B0-D7548B11DD1D}" destId="{3D95CA79-E897-4494-B86C-0B2A227C4B0F}" srcOrd="0" destOrd="1" presId="urn:microsoft.com/office/officeart/2005/8/layout/vProcess5"/>
+    <dgm:cxn modelId="{D5A20DC8-4088-440C-BC99-F3AE77F24B82}" type="presOf" srcId="{0430A663-97B1-407A-8918-BE63FF487321}" destId="{6CC235FB-C114-4895-AF5A-71C906A7E917}" srcOrd="1" destOrd="1" presId="urn:microsoft.com/office/officeart/2005/8/layout/vProcess5"/>
     <dgm:cxn modelId="{C61DB401-A29B-4E7B-9B5C-B0428AC2B02D}" srcId="{8A66C8D6-201A-4E52-A4BC-8470D79CE1DA}" destId="{E1E17D54-3978-44D6-B190-7647662E5097}" srcOrd="2" destOrd="0" parTransId="{802EF3BB-660D-4A6B-ADE1-2914CD2E6DB4}" sibTransId="{C04C8E80-83F7-438C-BCFD-6BCF3DA34C8A}"/>
+    <dgm:cxn modelId="{1B81E2AF-5CCC-41EA-AF10-BC5A3B3059EF}" srcId="{8A66C8D6-201A-4E52-A4BC-8470D79CE1DA}" destId="{D65E17EA-74B3-405C-9783-8B9C2EAFF3CD}" srcOrd="0" destOrd="0" parTransId="{539EE390-B801-415F-9100-B27C8E017C94}" sibTransId="{DA624E31-6B5F-4A02-89C0-6FB8A2000F1D}"/>
+    <dgm:cxn modelId="{EAF56454-B5C2-4AE7-A399-70C88501F642}" type="presOf" srcId="{9ABB07AE-D666-4C51-B442-2127785AA3CE}" destId="{621DD3E9-7436-4027-A775-149061B7416C}" srcOrd="1" destOrd="0" presId="urn:microsoft.com/office/officeart/2005/8/layout/vProcess5"/>
+    <dgm:cxn modelId="{70A8DBD5-77CB-4A6D-A77D-517749C860A6}" type="presOf" srcId="{9ABB07AE-D666-4C51-B442-2127785AA3CE}" destId="{A1F2972E-F624-4BAE-AA1E-26EA20EAC369}" srcOrd="0" destOrd="0" presId="urn:microsoft.com/office/officeart/2005/8/layout/vProcess5"/>
     <dgm:cxn modelId="{71A91E0C-B8B8-498C-A6FC-3174B3A1126D}" type="presOf" srcId="{0430A663-97B1-407A-8918-BE63FF487321}" destId="{D17B1996-C327-4802-AA7A-A5560DA76C88}" srcOrd="0" destOrd="1" presId="urn:microsoft.com/office/officeart/2005/8/layout/vProcess5"/>
-    <dgm:cxn modelId="{7FA7310E-4E7D-419A-91CE-E5D9349B6E96}" srcId="{8A66C8D6-201A-4E52-A4BC-8470D79CE1DA}" destId="{9ABB07AE-D666-4C51-B442-2127785AA3CE}" srcOrd="3" destOrd="0" parTransId="{81D749D2-AD79-49AC-B616-6A0BFCFE3363}" sibTransId="{9EEB2876-DEF4-409A-92B9-A7CDAB158A9C}"/>
-    <dgm:cxn modelId="{781AD41C-1175-4CEF-BD7A-A61D9ABE1AA5}" srcId="{E1E17D54-3978-44D6-B190-7647662E5097}" destId="{B4D2CDE3-E28F-48E6-84B0-D7548B11DD1D}" srcOrd="0" destOrd="0" parTransId="{10AFF075-7AE4-4C17-882C-5B1D62D4835F}" sibTransId="{02F5CE03-D58B-4E13-A87D-F7B970F72D0C}"/>
+    <dgm:cxn modelId="{23027031-E14D-43CF-A6E1-FECDCFF56D6B}" type="presOf" srcId="{E1E17D54-3978-44D6-B190-7647662E5097}" destId="{9024C8D0-A5C9-4EA5-8C61-F48CAFB57E5C}" srcOrd="1" destOrd="0" presId="urn:microsoft.com/office/officeart/2005/8/layout/vProcess5"/>
     <dgm:cxn modelId="{B3FC701E-2762-40E8-B3BE-CF4316B722E5}" type="presOf" srcId="{60215ECD-7FFD-45B7-82F3-DD5C2E144A8F}" destId="{6CC235FB-C114-4895-AF5A-71C906A7E917}" srcOrd="1" destOrd="0" presId="urn:microsoft.com/office/officeart/2005/8/layout/vProcess5"/>
-    <dgm:cxn modelId="{B990CF2A-66A0-4BCC-80AB-6A6FE9AB87CD}" type="presOf" srcId="{C04C8E80-83F7-438C-BCFD-6BCF3DA34C8A}" destId="{1052C56A-32D1-42F4-B8A6-9F006D472FBA}" srcOrd="0" destOrd="0" presId="urn:microsoft.com/office/officeart/2005/8/layout/vProcess5"/>
-    <dgm:cxn modelId="{23027031-E14D-43CF-A6E1-FECDCFF56D6B}" type="presOf" srcId="{E1E17D54-3978-44D6-B190-7647662E5097}" destId="{9024C8D0-A5C9-4EA5-8C61-F48CAFB57E5C}" srcOrd="1" destOrd="0" presId="urn:microsoft.com/office/officeart/2005/8/layout/vProcess5"/>
-    <dgm:cxn modelId="{EDB79033-FD0E-4E74-9D80-F3D2C957A01F}" srcId="{9ABB07AE-D666-4C51-B442-2127785AA3CE}" destId="{D9DDFF8E-5DC5-44F6-A137-9ACC5374AB06}" srcOrd="0" destOrd="0" parTransId="{1A76CBA4-0051-4542-B4CA-DDE0360A4B52}" sibTransId="{6E8C1253-924A-4532-B2CB-DFD164848D91}"/>
-    <dgm:cxn modelId="{10410637-E03C-4EA6-90EF-737BDE5F45A4}" type="presOf" srcId="{B4D2CDE3-E28F-48E6-84B0-D7548B11DD1D}" destId="{9024C8D0-A5C9-4EA5-8C61-F48CAFB57E5C}" srcOrd="1" destOrd="1" presId="urn:microsoft.com/office/officeart/2005/8/layout/vProcess5"/>
-    <dgm:cxn modelId="{F735A248-9252-490A-9BAE-23484B51C096}" type="presOf" srcId="{09CA6511-8E1F-437E-8E3E-B190A92A1704}" destId="{4EB01168-DBA4-4F75-B42B-6A2C9E0C65C5}" srcOrd="0" destOrd="0" presId="urn:microsoft.com/office/officeart/2005/8/layout/vProcess5"/>
-    <dgm:cxn modelId="{EAF56454-B5C2-4AE7-A399-70C88501F642}" type="presOf" srcId="{9ABB07AE-D666-4C51-B442-2127785AA3CE}" destId="{621DD3E9-7436-4027-A775-149061B7416C}" srcOrd="1" destOrd="0" presId="urn:microsoft.com/office/officeart/2005/8/layout/vProcess5"/>
-    <dgm:cxn modelId="{74D6BF7E-597A-4115-AB97-FCA89AD94E41}" type="presOf" srcId="{DA624E31-6B5F-4A02-89C0-6FB8A2000F1D}" destId="{C31F379E-621E-4D94-81E5-B865CC4BD481}" srcOrd="0" destOrd="0" presId="urn:microsoft.com/office/officeart/2005/8/layout/vProcess5"/>
-    <dgm:cxn modelId="{77D0837F-DF40-40EE-8A90-B1F51ECB291A}" type="presOf" srcId="{A2FF43E7-12B6-4FC3-8A78-A3C258F057BF}" destId="{95FB41FE-595C-4739-9085-85CF0A231C60}" srcOrd="1" destOrd="1" presId="urn:microsoft.com/office/officeart/2005/8/layout/vProcess5"/>
-    <dgm:cxn modelId="{559C1181-AB65-476C-A5BB-42659523268D}" srcId="{D65E17EA-74B3-405C-9783-8B9C2EAFF3CD}" destId="{A2FF43E7-12B6-4FC3-8A78-A3C258F057BF}" srcOrd="0" destOrd="0" parTransId="{15AC0103-F083-401F-864A-087260C322CE}" sibTransId="{92882B93-96B1-4B43-B5E4-7A13736E81A7}"/>
+    <dgm:cxn modelId="{25BBFBCF-1B94-4712-A08E-E7DA8A90A087}" type="presOf" srcId="{D65E17EA-74B3-405C-9783-8B9C2EAFF3CD}" destId="{9BAF046D-E6EE-4F80-B341-BA32C5D338E9}" srcOrd="0" destOrd="0" presId="urn:microsoft.com/office/officeart/2005/8/layout/vProcess5"/>
+    <dgm:cxn modelId="{2B9A46C7-44B3-4785-915C-35EF26FB8F56}" type="presOf" srcId="{D65E17EA-74B3-405C-9783-8B9C2EAFF3CD}" destId="{95FB41FE-595C-4739-9085-85CF0A231C60}" srcOrd="1" destOrd="0" presId="urn:microsoft.com/office/officeart/2005/8/layout/vProcess5"/>
+    <dgm:cxn modelId="{2767288C-FFF9-42D2-BD7E-C11CACC6C694}" srcId="{60215ECD-7FFD-45B7-82F3-DD5C2E144A8F}" destId="{0430A663-97B1-407A-8918-BE63FF487321}" srcOrd="0" destOrd="0" parTransId="{4DD6DE71-723B-432E-BF26-E2072A6D9AFA}" sibTransId="{AE269F2B-2A4C-4E0C-BD5E-61E0766623E7}"/>
     <dgm:cxn modelId="{33286081-91C1-4BF8-9EA2-7F0F4B689501}" type="presOf" srcId="{8A66C8D6-201A-4E52-A4BC-8470D79CE1DA}" destId="{7BA7318D-9786-4D1C-8F46-1B9273369636}" srcOrd="0" destOrd="0" presId="urn:microsoft.com/office/officeart/2005/8/layout/vProcess5"/>
     <dgm:cxn modelId="{A26CB389-75FF-4508-B89F-45FC483EC878}" type="presOf" srcId="{D9DDFF8E-5DC5-44F6-A137-9ACC5374AB06}" destId="{621DD3E9-7436-4027-A775-149061B7416C}" srcOrd="1" destOrd="1" presId="urn:microsoft.com/office/officeart/2005/8/layout/vProcess5"/>
-    <dgm:cxn modelId="{2767288C-FFF9-42D2-BD7E-C11CACC6C694}" srcId="{60215ECD-7FFD-45B7-82F3-DD5C2E144A8F}" destId="{0430A663-97B1-407A-8918-BE63FF487321}" srcOrd="0" destOrd="0" parTransId="{4DD6DE71-723B-432E-BF26-E2072A6D9AFA}" sibTransId="{AE269F2B-2A4C-4E0C-BD5E-61E0766623E7}"/>
-    <dgm:cxn modelId="{8D94A78F-EAD6-4CF3-AD02-D57B409CEA2F}" type="presOf" srcId="{A2FF43E7-12B6-4FC3-8A78-A3C258F057BF}" destId="{9BAF046D-E6EE-4F80-B341-BA32C5D338E9}" srcOrd="0" destOrd="1" presId="urn:microsoft.com/office/officeart/2005/8/layout/vProcess5"/>
-    <dgm:cxn modelId="{29A8789C-186A-4891-AE83-8BE1500998A3}" srcId="{8A66C8D6-201A-4E52-A4BC-8470D79CE1DA}" destId="{60215ECD-7FFD-45B7-82F3-DD5C2E144A8F}" srcOrd="1" destOrd="0" parTransId="{F7A93F31-809E-48F6-BA86-D44A5EDD3415}" sibTransId="{09CA6511-8E1F-437E-8E3E-B190A92A1704}"/>
+    <dgm:cxn modelId="{781AD41C-1175-4CEF-BD7A-A61D9ABE1AA5}" srcId="{E1E17D54-3978-44D6-B190-7647662E5097}" destId="{B4D2CDE3-E28F-48E6-84B0-D7548B11DD1D}" srcOrd="0" destOrd="0" parTransId="{10AFF075-7AE4-4C17-882C-5B1D62D4835F}" sibTransId="{02F5CE03-D58B-4E13-A87D-F7B970F72D0C}"/>
     <dgm:cxn modelId="{08CDE3A6-95C8-469D-9260-D41934B9145A}" type="presOf" srcId="{E1E17D54-3978-44D6-B190-7647662E5097}" destId="{3D95CA79-E897-4494-B86C-0B2A227C4B0F}" srcOrd="0" destOrd="0" presId="urn:microsoft.com/office/officeart/2005/8/layout/vProcess5"/>
-    <dgm:cxn modelId="{15EB53AC-04F1-4460-AE0C-257EDD1F8897}" type="presOf" srcId="{60215ECD-7FFD-45B7-82F3-DD5C2E144A8F}" destId="{D17B1996-C327-4802-AA7A-A5560DA76C88}" srcOrd="0" destOrd="0" presId="urn:microsoft.com/office/officeart/2005/8/layout/vProcess5"/>
-    <dgm:cxn modelId="{1B81E2AF-5CCC-41EA-AF10-BC5A3B3059EF}" srcId="{8A66C8D6-201A-4E52-A4BC-8470D79CE1DA}" destId="{D65E17EA-74B3-405C-9783-8B9C2EAFF3CD}" srcOrd="0" destOrd="0" parTransId="{539EE390-B801-415F-9100-B27C8E017C94}" sibTransId="{DA624E31-6B5F-4A02-89C0-6FB8A2000F1D}"/>
-    <dgm:cxn modelId="{2B9A46C7-44B3-4785-915C-35EF26FB8F56}" type="presOf" srcId="{D65E17EA-74B3-405C-9783-8B9C2EAFF3CD}" destId="{95FB41FE-595C-4739-9085-85CF0A231C60}" srcOrd="1" destOrd="0" presId="urn:microsoft.com/office/officeart/2005/8/layout/vProcess5"/>
-    <dgm:cxn modelId="{D5A20DC8-4088-440C-BC99-F3AE77F24B82}" type="presOf" srcId="{0430A663-97B1-407A-8918-BE63FF487321}" destId="{6CC235FB-C114-4895-AF5A-71C906A7E917}" srcOrd="1" destOrd="1" presId="urn:microsoft.com/office/officeart/2005/8/layout/vProcess5"/>
-    <dgm:cxn modelId="{25BBFBCF-1B94-4712-A08E-E7DA8A90A087}" type="presOf" srcId="{D65E17EA-74B3-405C-9783-8B9C2EAFF3CD}" destId="{9BAF046D-E6EE-4F80-B341-BA32C5D338E9}" srcOrd="0" destOrd="0" presId="urn:microsoft.com/office/officeart/2005/8/layout/vProcess5"/>
-    <dgm:cxn modelId="{70A8DBD5-77CB-4A6D-A77D-517749C860A6}" type="presOf" srcId="{9ABB07AE-D666-4C51-B442-2127785AA3CE}" destId="{A1F2972E-F624-4BAE-AA1E-26EA20EAC369}" srcOrd="0" destOrd="0" presId="urn:microsoft.com/office/officeart/2005/8/layout/vProcess5"/>
+    <dgm:cxn modelId="{559C1181-AB65-476C-A5BB-42659523268D}" srcId="{D65E17EA-74B3-405C-9783-8B9C2EAFF3CD}" destId="{A2FF43E7-12B6-4FC3-8A78-A3C258F057BF}" srcOrd="0" destOrd="0" parTransId="{15AC0103-F083-401F-864A-087260C322CE}" sibTransId="{92882B93-96B1-4B43-B5E4-7A13736E81A7}"/>
     <dgm:cxn modelId="{361F7EFF-F933-4389-977C-51815116DDB7}" type="presOf" srcId="{D9DDFF8E-5DC5-44F6-A137-9ACC5374AB06}" destId="{A1F2972E-F624-4BAE-AA1E-26EA20EAC369}" srcOrd="0" destOrd="1" presId="urn:microsoft.com/office/officeart/2005/8/layout/vProcess5"/>
+    <dgm:cxn modelId="{7FA7310E-4E7D-419A-91CE-E5D9349B6E96}" srcId="{8A66C8D6-201A-4E52-A4BC-8470D79CE1DA}" destId="{9ABB07AE-D666-4C51-B442-2127785AA3CE}" srcOrd="3" destOrd="0" parTransId="{81D749D2-AD79-49AC-B616-6A0BFCFE3363}" sibTransId="{9EEB2876-DEF4-409A-92B9-A7CDAB158A9C}"/>
     <dgm:cxn modelId="{8B4E702D-EB5B-44DF-AFE1-8FC5DE70C7D4}" type="presParOf" srcId="{7BA7318D-9786-4D1C-8F46-1B9273369636}" destId="{330858EE-B309-4A73-AEC6-786C02D40C14}" srcOrd="0" destOrd="0" presId="urn:microsoft.com/office/officeart/2005/8/layout/vProcess5"/>
     <dgm:cxn modelId="{CA35665F-72D1-4B6A-B364-A5540C2D8FEC}" type="presParOf" srcId="{7BA7318D-9786-4D1C-8F46-1B9273369636}" destId="{9BAF046D-E6EE-4F80-B341-BA32C5D338E9}" srcOrd="1" destOrd="0" presId="urn:microsoft.com/office/officeart/2005/8/layout/vProcess5"/>
     <dgm:cxn modelId="{596AF2C1-73DC-47FC-A872-D1C5537A3E93}" type="presParOf" srcId="{7BA7318D-9786-4D1C-8F46-1B9273369636}" destId="{D17B1996-C327-4802-AA7A-A5560DA76C88}" srcOrd="2" destOrd="0" presId="urn:microsoft.com/office/officeart/2005/8/layout/vProcess5"/>
@@ -4358,6 +4442,13 @@
         </dgm:presLayoutVars>
       </dgm:prSet>
       <dgm:spPr/>
+      <dgm:t>
+        <a:bodyPr/>
+        <a:lstStyle/>
+        <a:p>
+          <a:endParaRPr lang="en-US"/>
+        </a:p>
+      </dgm:t>
     </dgm:pt>
     <dgm:pt modelId="{E203A4FE-4952-443A-BBD5-F80117905AB4}" type="pres">
       <dgm:prSet presAssocID="{462611F6-1095-4EC5-9A17-ADC9EDEFECF5}" presName="composite" presStyleCnt="0"/>
@@ -4376,6 +4467,13 @@
         </dgm:presLayoutVars>
       </dgm:prSet>
       <dgm:spPr/>
+      <dgm:t>
+        <a:bodyPr/>
+        <a:lstStyle/>
+        <a:p>
+          <a:endParaRPr lang="en-US"/>
+        </a:p>
+      </dgm:t>
     </dgm:pt>
     <dgm:pt modelId="{B6A2E5F9-9E77-44E1-884D-CCF3D4D8680C}" type="pres">
       <dgm:prSet presAssocID="{462611F6-1095-4EC5-9A17-ADC9EDEFECF5}" presName="ChildText" presStyleLbl="revTx" presStyleIdx="0" presStyleCnt="3" custScaleX="646406" custLinFactX="100000" custLinFactNeighborX="110956" custLinFactNeighborY="10857">
@@ -4386,6 +4484,13 @@
         </dgm:presLayoutVars>
       </dgm:prSet>
       <dgm:spPr/>
+      <dgm:t>
+        <a:bodyPr/>
+        <a:lstStyle/>
+        <a:p>
+          <a:endParaRPr lang="en-US"/>
+        </a:p>
+      </dgm:t>
     </dgm:pt>
     <dgm:pt modelId="{5F37CAC1-B5C7-45A7-812A-966E83A6E3A9}" type="pres">
       <dgm:prSet presAssocID="{8679350D-2F96-4BDC-B9E6-96A0041FF635}" presName="sibTrans" presStyleCnt="0"/>
@@ -4408,6 +4513,13 @@
         </dgm:presLayoutVars>
       </dgm:prSet>
       <dgm:spPr/>
+      <dgm:t>
+        <a:bodyPr/>
+        <a:lstStyle/>
+        <a:p>
+          <a:endParaRPr lang="en-US"/>
+        </a:p>
+      </dgm:t>
     </dgm:pt>
     <dgm:pt modelId="{ECCBB81D-E257-46CF-AA0F-E29FD2738FAF}" type="pres">
       <dgm:prSet presAssocID="{FEE39227-7CE0-4FB3-B762-44E73F9AFFA8}" presName="ChildText" presStyleLbl="revTx" presStyleIdx="1" presStyleCnt="3" custScaleX="495757" custLinFactNeighborX="92835">
@@ -4418,6 +4530,13 @@
         </dgm:presLayoutVars>
       </dgm:prSet>
       <dgm:spPr/>
+      <dgm:t>
+        <a:bodyPr/>
+        <a:lstStyle/>
+        <a:p>
+          <a:endParaRPr lang="en-US"/>
+        </a:p>
+      </dgm:t>
     </dgm:pt>
     <dgm:pt modelId="{4D58F489-B330-43AD-B412-59D6F2ABE835}" type="pres">
       <dgm:prSet presAssocID="{3DD966B1-EF16-486D-9267-AFE69EEBD98C}" presName="sibTrans" presStyleCnt="0"/>
@@ -4440,6 +4559,13 @@
         </dgm:presLayoutVars>
       </dgm:prSet>
       <dgm:spPr/>
+      <dgm:t>
+        <a:bodyPr/>
+        <a:lstStyle/>
+        <a:p>
+          <a:endParaRPr lang="en-US"/>
+        </a:p>
+      </dgm:t>
     </dgm:pt>
     <dgm:pt modelId="{0E89AD7D-CECE-4CC4-B4D1-6CDF8AA6C764}" type="pres">
       <dgm:prSet presAssocID="{CA8E57F2-EE95-4CE9-A5E0-13EF43D13219}" presName="ChildText" presStyleLbl="revTx" presStyleIdx="2" presStyleCnt="3" custScaleX="446751" custLinFactNeighborX="61890" custLinFactNeighborY="-5050">
@@ -4450,6 +4576,13 @@
         </dgm:presLayoutVars>
       </dgm:prSet>
       <dgm:spPr/>
+      <dgm:t>
+        <a:bodyPr/>
+        <a:lstStyle/>
+        <a:p>
+          <a:endParaRPr lang="en-US"/>
+        </a:p>
+      </dgm:t>
     </dgm:pt>
     <dgm:pt modelId="{69166CE0-CE4B-467C-860B-A01D27119ED9}" type="pres">
       <dgm:prSet presAssocID="{5572914A-B18D-4074-8FB8-41C33D23C62B}" presName="sibTrans" presStyleCnt="0"/>
@@ -4468,24 +4601,31 @@
         </dgm:presLayoutVars>
       </dgm:prSet>
       <dgm:spPr/>
+      <dgm:t>
+        <a:bodyPr/>
+        <a:lstStyle/>
+        <a:p>
+          <a:endParaRPr lang="en-US"/>
+        </a:p>
+      </dgm:t>
     </dgm:pt>
   </dgm:ptLst>
   <dgm:cxnLst>
+    <dgm:cxn modelId="{55B86DD0-BEAA-4EA3-84FF-98098BC1F33A}" type="presOf" srcId="{B1678090-C0D8-4F2C-B395-3BF502531496}" destId="{255E38A8-1A90-4162-8F4F-422E5D30391D}" srcOrd="0" destOrd="0" presId="urn:microsoft.com/office/officeart/2005/8/layout/StepDownProcess"/>
+    <dgm:cxn modelId="{188FB371-664D-4597-8265-1CA846C9B8EF}" srcId="{462611F6-1095-4EC5-9A17-ADC9EDEFECF5}" destId="{C765BE67-E4F8-4992-8C75-E964C4C204D5}" srcOrd="0" destOrd="0" parTransId="{86DEA867-3E88-455F-BC8B-34355FEF42F4}" sibTransId="{D52D8E4B-DA43-4FFB-A5F0-13469DF9F831}"/>
+    <dgm:cxn modelId="{E184A540-8595-43F6-80D4-93718DB5EA43}" type="presOf" srcId="{CA8E57F2-EE95-4CE9-A5E0-13EF43D13219}" destId="{579C2044-1594-452C-A160-42A5E5291DC5}" srcOrd="0" destOrd="0" presId="urn:microsoft.com/office/officeart/2005/8/layout/StepDownProcess"/>
+    <dgm:cxn modelId="{0A8D9BE1-B7F6-4FC6-B1B1-5C9094BB1E0B}" type="presOf" srcId="{FEE39227-7CE0-4FB3-B762-44E73F9AFFA8}" destId="{B1510398-F7F2-4BA7-A97A-42A75D83F516}" srcOrd="0" destOrd="0" presId="urn:microsoft.com/office/officeart/2005/8/layout/StepDownProcess"/>
+    <dgm:cxn modelId="{234266C1-84B0-41F7-B1FF-90D4BF52A921}" srcId="{FEE39227-7CE0-4FB3-B762-44E73F9AFFA8}" destId="{1E45AAAA-A64F-49E1-8FFA-DE6C7E8512FB}" srcOrd="0" destOrd="0" parTransId="{83208FD6-F743-40B4-B06D-0BAD192FCD92}" sibTransId="{F961062A-BA3F-40DF-AD18-FEC3F307783E}"/>
+    <dgm:cxn modelId="{A2DE0F43-FDB9-4ED6-AD48-C4811B9062CC}" srcId="{5DE4E625-DADD-47F8-8F81-D95AA765F3F4}" destId="{B1678090-C0D8-4F2C-B395-3BF502531496}" srcOrd="3" destOrd="0" parTransId="{65E87AFE-DA3A-4019-B772-DE7CF087C546}" sibTransId="{55800261-65DD-4FC5-AD17-7E846717FC39}"/>
+    <dgm:cxn modelId="{A95127DB-CFF3-47F3-A3F8-FF0DEA8CCDCC}" type="presOf" srcId="{C765BE67-E4F8-4992-8C75-E964C4C204D5}" destId="{B6A2E5F9-9E77-44E1-884D-CCF3D4D8680C}" srcOrd="0" destOrd="0" presId="urn:microsoft.com/office/officeart/2005/8/layout/StepDownProcess"/>
+    <dgm:cxn modelId="{FF800635-43D8-4D0D-BC86-B6A360320E61}" srcId="{5DE4E625-DADD-47F8-8F81-D95AA765F3F4}" destId="{462611F6-1095-4EC5-9A17-ADC9EDEFECF5}" srcOrd="0" destOrd="0" parTransId="{16393571-F999-45C5-8EDB-846F1DA4D6A7}" sibTransId="{8679350D-2F96-4BDC-B9E6-96A0041FF635}"/>
+    <dgm:cxn modelId="{9B066FA8-F531-492B-AF2D-ACEF980BF41D}" srcId="{5DE4E625-DADD-47F8-8F81-D95AA765F3F4}" destId="{CA8E57F2-EE95-4CE9-A5E0-13EF43D13219}" srcOrd="2" destOrd="0" parTransId="{A88D0DD6-47D8-401B-ACC0-70EF41009AE1}" sibTransId="{5572914A-B18D-4074-8FB8-41C33D23C62B}"/>
+    <dgm:cxn modelId="{85F643C6-4A20-4B7B-A876-3082FF9A7B1D}" srcId="{5DE4E625-DADD-47F8-8F81-D95AA765F3F4}" destId="{FEE39227-7CE0-4FB3-B762-44E73F9AFFA8}" srcOrd="1" destOrd="0" parTransId="{3F0DCC59-F80F-480D-BA85-8BE24981A5E6}" sibTransId="{3DD966B1-EF16-486D-9267-AFE69EEBD98C}"/>
+    <dgm:cxn modelId="{9DBCCE28-4E6B-478C-B49C-24D8EA1829FF}" srcId="{CA8E57F2-EE95-4CE9-A5E0-13EF43D13219}" destId="{B1B2D101-9136-4DC5-AD6E-35A76367A41D}" srcOrd="0" destOrd="0" parTransId="{0C12CBFE-A1BB-4532-9260-CD7A4152DF0F}" sibTransId="{AAC1FC53-36BB-42E6-AE1F-530560484D93}"/>
+    <dgm:cxn modelId="{030B339A-0C8F-40C6-BBA5-98680797A7E5}" type="presOf" srcId="{462611F6-1095-4EC5-9A17-ADC9EDEFECF5}" destId="{C64E675A-0F4E-48D6-91D1-F7DA85674204}" srcOrd="0" destOrd="0" presId="urn:microsoft.com/office/officeart/2005/8/layout/StepDownProcess"/>
+    <dgm:cxn modelId="{3F75CC5C-8CEB-4298-9C0B-C7D2CF2BF558}" type="presOf" srcId="{1E45AAAA-A64F-49E1-8FFA-DE6C7E8512FB}" destId="{ECCBB81D-E257-46CF-AA0F-E29FD2738FAF}" srcOrd="0" destOrd="0" presId="urn:microsoft.com/office/officeart/2005/8/layout/StepDownProcess"/>
     <dgm:cxn modelId="{9D56A015-88AD-4FCE-9AB5-C7B4F52DBE6A}" type="presOf" srcId="{5DE4E625-DADD-47F8-8F81-D95AA765F3F4}" destId="{BC3804B1-0EEC-4806-B6F6-AC81D2E3F165}" srcOrd="0" destOrd="0" presId="urn:microsoft.com/office/officeart/2005/8/layout/StepDownProcess"/>
-    <dgm:cxn modelId="{9DBCCE28-4E6B-478C-B49C-24D8EA1829FF}" srcId="{CA8E57F2-EE95-4CE9-A5E0-13EF43D13219}" destId="{B1B2D101-9136-4DC5-AD6E-35A76367A41D}" srcOrd="0" destOrd="0" parTransId="{0C12CBFE-A1BB-4532-9260-CD7A4152DF0F}" sibTransId="{AAC1FC53-36BB-42E6-AE1F-530560484D93}"/>
-    <dgm:cxn modelId="{FF800635-43D8-4D0D-BC86-B6A360320E61}" srcId="{5DE4E625-DADD-47F8-8F81-D95AA765F3F4}" destId="{462611F6-1095-4EC5-9A17-ADC9EDEFECF5}" srcOrd="0" destOrd="0" parTransId="{16393571-F999-45C5-8EDB-846F1DA4D6A7}" sibTransId="{8679350D-2F96-4BDC-B9E6-96A0041FF635}"/>
-    <dgm:cxn modelId="{E184A540-8595-43F6-80D4-93718DB5EA43}" type="presOf" srcId="{CA8E57F2-EE95-4CE9-A5E0-13EF43D13219}" destId="{579C2044-1594-452C-A160-42A5E5291DC5}" srcOrd="0" destOrd="0" presId="urn:microsoft.com/office/officeart/2005/8/layout/StepDownProcess"/>
-    <dgm:cxn modelId="{3F75CC5C-8CEB-4298-9C0B-C7D2CF2BF558}" type="presOf" srcId="{1E45AAAA-A64F-49E1-8FFA-DE6C7E8512FB}" destId="{ECCBB81D-E257-46CF-AA0F-E29FD2738FAF}" srcOrd="0" destOrd="0" presId="urn:microsoft.com/office/officeart/2005/8/layout/StepDownProcess"/>
-    <dgm:cxn modelId="{A2DE0F43-FDB9-4ED6-AD48-C4811B9062CC}" srcId="{5DE4E625-DADD-47F8-8F81-D95AA765F3F4}" destId="{B1678090-C0D8-4F2C-B395-3BF502531496}" srcOrd="3" destOrd="0" parTransId="{65E87AFE-DA3A-4019-B772-DE7CF087C546}" sibTransId="{55800261-65DD-4FC5-AD17-7E846717FC39}"/>
     <dgm:cxn modelId="{FEABB64B-F50A-49E7-9331-E7D4BC59A1DF}" type="presOf" srcId="{B1B2D101-9136-4DC5-AD6E-35A76367A41D}" destId="{0E89AD7D-CECE-4CC4-B4D1-6CDF8AA6C764}" srcOrd="0" destOrd="0" presId="urn:microsoft.com/office/officeart/2005/8/layout/StepDownProcess"/>
-    <dgm:cxn modelId="{188FB371-664D-4597-8265-1CA846C9B8EF}" srcId="{462611F6-1095-4EC5-9A17-ADC9EDEFECF5}" destId="{C765BE67-E4F8-4992-8C75-E964C4C204D5}" srcOrd="0" destOrd="0" parTransId="{86DEA867-3E88-455F-BC8B-34355FEF42F4}" sibTransId="{D52D8E4B-DA43-4FFB-A5F0-13469DF9F831}"/>
-    <dgm:cxn modelId="{030B339A-0C8F-40C6-BBA5-98680797A7E5}" type="presOf" srcId="{462611F6-1095-4EC5-9A17-ADC9EDEFECF5}" destId="{C64E675A-0F4E-48D6-91D1-F7DA85674204}" srcOrd="0" destOrd="0" presId="urn:microsoft.com/office/officeart/2005/8/layout/StepDownProcess"/>
-    <dgm:cxn modelId="{9B066FA8-F531-492B-AF2D-ACEF980BF41D}" srcId="{5DE4E625-DADD-47F8-8F81-D95AA765F3F4}" destId="{CA8E57F2-EE95-4CE9-A5E0-13EF43D13219}" srcOrd="2" destOrd="0" parTransId="{A88D0DD6-47D8-401B-ACC0-70EF41009AE1}" sibTransId="{5572914A-B18D-4074-8FB8-41C33D23C62B}"/>
-    <dgm:cxn modelId="{234266C1-84B0-41F7-B1FF-90D4BF52A921}" srcId="{FEE39227-7CE0-4FB3-B762-44E73F9AFFA8}" destId="{1E45AAAA-A64F-49E1-8FFA-DE6C7E8512FB}" srcOrd="0" destOrd="0" parTransId="{83208FD6-F743-40B4-B06D-0BAD192FCD92}" sibTransId="{F961062A-BA3F-40DF-AD18-FEC3F307783E}"/>
-    <dgm:cxn modelId="{85F643C6-4A20-4B7B-A876-3082FF9A7B1D}" srcId="{5DE4E625-DADD-47F8-8F81-D95AA765F3F4}" destId="{FEE39227-7CE0-4FB3-B762-44E73F9AFFA8}" srcOrd="1" destOrd="0" parTransId="{3F0DCC59-F80F-480D-BA85-8BE24981A5E6}" sibTransId="{3DD966B1-EF16-486D-9267-AFE69EEBD98C}"/>
-    <dgm:cxn modelId="{55B86DD0-BEAA-4EA3-84FF-98098BC1F33A}" type="presOf" srcId="{B1678090-C0D8-4F2C-B395-3BF502531496}" destId="{255E38A8-1A90-4162-8F4F-422E5D30391D}" srcOrd="0" destOrd="0" presId="urn:microsoft.com/office/officeart/2005/8/layout/StepDownProcess"/>
-    <dgm:cxn modelId="{A95127DB-CFF3-47F3-A3F8-FF0DEA8CCDCC}" type="presOf" srcId="{C765BE67-E4F8-4992-8C75-E964C4C204D5}" destId="{B6A2E5F9-9E77-44E1-884D-CCF3D4D8680C}" srcOrd="0" destOrd="0" presId="urn:microsoft.com/office/officeart/2005/8/layout/StepDownProcess"/>
-    <dgm:cxn modelId="{0A8D9BE1-B7F6-4FC6-B1B1-5C9094BB1E0B}" type="presOf" srcId="{FEE39227-7CE0-4FB3-B762-44E73F9AFFA8}" destId="{B1510398-F7F2-4BA7-A97A-42A75D83F516}" srcOrd="0" destOrd="0" presId="urn:microsoft.com/office/officeart/2005/8/layout/StepDownProcess"/>
     <dgm:cxn modelId="{C75F83F4-EA3D-46F0-B857-8D5283D02095}" type="presParOf" srcId="{BC3804B1-0EEC-4806-B6F6-AC81D2E3F165}" destId="{E203A4FE-4952-443A-BBD5-F80117905AB4}" srcOrd="0" destOrd="0" presId="urn:microsoft.com/office/officeart/2005/8/layout/StepDownProcess"/>
     <dgm:cxn modelId="{7A9656E8-1DFD-4310-BA83-BCCB9C262DB7}" type="presParOf" srcId="{E203A4FE-4952-443A-BBD5-F80117905AB4}" destId="{F9EE6CC4-9ECB-41C5-B26D-DE6966928AC4}" srcOrd="0" destOrd="0" presId="urn:microsoft.com/office/officeart/2005/8/layout/StepDownProcess"/>
     <dgm:cxn modelId="{B7257DFD-DA9D-49A6-804D-AFD1E480B88D}" type="presParOf" srcId="{E203A4FE-4952-443A-BBD5-F80117905AB4}" destId="{C64E675A-0F4E-48D6-91D1-F7DA85674204}" srcOrd="1" destOrd="0" presId="urn:microsoft.com/office/officeart/2005/8/layout/StepDownProcess"/>
@@ -4572,9 +4712,10 @@
         <a:lstStyle/>
         <a:p>
           <a:r>
-            <a:rPr lang="en-US" dirty="0"/>
-            <a:t>N-Grams</a:t>
+            <a:rPr lang="en-US" dirty="0" smtClean="0"/>
+            <a:t>Linguistic Inquiry and Word Count (LIWC2)</a:t>
           </a:r>
+          <a:endParaRPr lang="en-US" dirty="0"/>
         </a:p>
       </dgm:t>
     </dgm:pt>
@@ -4590,42 +4731,6 @@
       </dgm:t>
     </dgm:pt>
     <dgm:pt modelId="{70133A41-F18E-40AA-80FF-4A7245F1C4BD}" type="sibTrans" cxnId="{108A263D-D2BA-435C-A05D-01C9EBB9C3FA}">
-      <dgm:prSet/>
-      <dgm:spPr/>
-      <dgm:t>
-        <a:bodyPr/>
-        <a:lstStyle/>
-        <a:p>
-          <a:endParaRPr lang="en-US"/>
-        </a:p>
-      </dgm:t>
-    </dgm:pt>
-    <dgm:pt modelId="{D536E29D-97F9-408E-9D90-5AFA39F979F8}">
-      <dgm:prSet phldrT="[Text]"/>
-      <dgm:spPr/>
-      <dgm:t>
-        <a:bodyPr/>
-        <a:lstStyle/>
-        <a:p>
-          <a:r>
-            <a:rPr lang="en-US" dirty="0"/>
-            <a:t>Contextual analysis</a:t>
-          </a:r>
-        </a:p>
-      </dgm:t>
-    </dgm:pt>
-    <dgm:pt modelId="{38EB7916-D2FA-4B25-9A9E-69482963197B}" type="parTrans" cxnId="{470B94E9-ED5C-4A1C-8B1C-6DF0BA630095}">
-      <dgm:prSet/>
-      <dgm:spPr/>
-      <dgm:t>
-        <a:bodyPr/>
-        <a:lstStyle/>
-        <a:p>
-          <a:endParaRPr lang="en-US"/>
-        </a:p>
-      </dgm:t>
-    </dgm:pt>
-    <dgm:pt modelId="{139A8200-4446-4157-9351-364B8BF46638}" type="sibTrans" cxnId="{470B94E9-ED5C-4A1C-8B1C-6DF0BA630095}">
       <dgm:prSet/>
       <dgm:spPr/>
       <dgm:t>
@@ -4672,6 +4777,47 @@
         </a:p>
       </dgm:t>
     </dgm:pt>
+    <dgm:pt modelId="{3D200745-E15F-473F-BFEC-710543785A95}">
+      <dgm:prSet/>
+      <dgm:spPr/>
+      <dgm:t>
+        <a:bodyPr/>
+        <a:lstStyle/>
+        <a:p>
+          <a:r>
+            <a:rPr lang="en-US"/>
+            <a:t>Capturing </a:t>
+          </a:r>
+          <a:r>
+            <a:rPr lang="en-US" smtClean="0"/>
+            <a:t>pronouns</a:t>
+          </a:r>
+          <a:endParaRPr lang="en-US" dirty="0"/>
+        </a:p>
+      </dgm:t>
+    </dgm:pt>
+    <dgm:pt modelId="{5B874519-3D44-48DC-A91A-B7962C1BE813}" type="parTrans" cxnId="{FEB33637-BFBF-4791-88BC-F6FBAE57730E}">
+      <dgm:prSet/>
+      <dgm:spPr/>
+      <dgm:t>
+        <a:bodyPr/>
+        <a:lstStyle/>
+        <a:p>
+          <a:endParaRPr lang="en-US"/>
+        </a:p>
+      </dgm:t>
+    </dgm:pt>
+    <dgm:pt modelId="{52D4E755-2E6D-41A8-96F5-AE053F9D4A97}" type="sibTrans" cxnId="{FEB33637-BFBF-4791-88BC-F6FBAE57730E}">
+      <dgm:prSet/>
+      <dgm:spPr/>
+      <dgm:t>
+        <a:bodyPr/>
+        <a:lstStyle/>
+        <a:p>
+          <a:endParaRPr lang="en-US"/>
+        </a:p>
+      </dgm:t>
+    </dgm:pt>
     <dgm:pt modelId="{40618AF8-E476-46B3-81A3-C0F7E8790516}" type="pres">
       <dgm:prSet presAssocID="{5CCAE35F-8951-42A7-BCC6-D8D1866CE451}" presName="diagram" presStyleCnt="0">
         <dgm:presLayoutVars>
@@ -4680,6 +4826,13 @@
         </dgm:presLayoutVars>
       </dgm:prSet>
       <dgm:spPr/>
+      <dgm:t>
+        <a:bodyPr/>
+        <a:lstStyle/>
+        <a:p>
+          <a:endParaRPr lang="en-US"/>
+        </a:p>
+      </dgm:t>
     </dgm:pt>
     <dgm:pt modelId="{669CDA91-C287-4CD1-B1C0-4BAAA1665639}" type="pres">
       <dgm:prSet presAssocID="{68F5407C-4842-4C7F-9ED7-9AF1D2D05FEC}" presName="node" presStyleLbl="node1" presStyleIdx="0" presStyleCnt="4">
@@ -4688,33 +4841,54 @@
         </dgm:presLayoutVars>
       </dgm:prSet>
       <dgm:spPr/>
+      <dgm:t>
+        <a:bodyPr/>
+        <a:lstStyle/>
+        <a:p>
+          <a:endParaRPr lang="en-US"/>
+        </a:p>
+      </dgm:t>
     </dgm:pt>
     <dgm:pt modelId="{A11EA1E1-4203-46AF-84EA-CF61F6BA87BE}" type="pres">
       <dgm:prSet presAssocID="{C37A9539-FCF5-4B22-B32F-5357F901CA83}" presName="sibTrans" presStyleCnt="0"/>
       <dgm:spPr/>
     </dgm:pt>
     <dgm:pt modelId="{3353084F-6745-4D22-A374-F11D83B42F70}" type="pres">
-      <dgm:prSet presAssocID="{0BCA1B82-E701-4F06-86EA-F6EC90C1CE67}" presName="node" presStyleLbl="node1" presStyleIdx="1" presStyleCnt="4">
+      <dgm:prSet presAssocID="{0BCA1B82-E701-4F06-86EA-F6EC90C1CE67}" presName="node" presStyleLbl="node1" presStyleIdx="1" presStyleCnt="4" custLinFactNeighborX="0" custLinFactNeighborY="-2229">
         <dgm:presLayoutVars>
           <dgm:bulletEnabled val="1"/>
         </dgm:presLayoutVars>
       </dgm:prSet>
       <dgm:spPr/>
+      <dgm:t>
+        <a:bodyPr/>
+        <a:lstStyle/>
+        <a:p>
+          <a:endParaRPr lang="en-US"/>
+        </a:p>
+      </dgm:t>
     </dgm:pt>
     <dgm:pt modelId="{0985A9B1-E881-4822-8507-9737087B31E8}" type="pres">
       <dgm:prSet presAssocID="{70133A41-F18E-40AA-80FF-4A7245F1C4BD}" presName="sibTrans" presStyleCnt="0"/>
       <dgm:spPr/>
     </dgm:pt>
-    <dgm:pt modelId="{AC65C2B3-96E4-4390-BCB2-1258E9DF06D2}" type="pres">
-      <dgm:prSet presAssocID="{D536E29D-97F9-408E-9D90-5AFA39F979F8}" presName="node" presStyleLbl="node1" presStyleIdx="2" presStyleCnt="4">
+    <dgm:pt modelId="{208C52DA-988C-45F9-910B-DFDCE6106A50}" type="pres">
+      <dgm:prSet presAssocID="{3D200745-E15F-473F-BFEC-710543785A95}" presName="node" presStyleLbl="node1" presStyleIdx="2" presStyleCnt="4">
         <dgm:presLayoutVars>
           <dgm:bulletEnabled val="1"/>
         </dgm:presLayoutVars>
       </dgm:prSet>
       <dgm:spPr/>
+      <dgm:t>
+        <a:bodyPr/>
+        <a:lstStyle/>
+        <a:p>
+          <a:endParaRPr lang="en-US"/>
+        </a:p>
+      </dgm:t>
     </dgm:pt>
-    <dgm:pt modelId="{4E316298-5D3A-44DD-AF11-89CA260BC036}" type="pres">
-      <dgm:prSet presAssocID="{139A8200-4446-4157-9351-364B8BF46638}" presName="sibTrans" presStyleCnt="0"/>
+    <dgm:pt modelId="{A552657B-0321-4C1D-BF5F-0381BE6A7FD6}" type="pres">
+      <dgm:prSet presAssocID="{52D4E755-2E6D-41A8-96F5-AE053F9D4A97}" presName="sibTrans" presStyleCnt="0"/>
       <dgm:spPr/>
     </dgm:pt>
     <dgm:pt modelId="{854801FA-E6F1-4E58-BD4F-37A39517F6E9}" type="pres">
@@ -4724,24 +4898,31 @@
         </dgm:presLayoutVars>
       </dgm:prSet>
       <dgm:spPr/>
+      <dgm:t>
+        <a:bodyPr/>
+        <a:lstStyle/>
+        <a:p>
+          <a:endParaRPr lang="en-US"/>
+        </a:p>
+      </dgm:t>
     </dgm:pt>
   </dgm:ptLst>
   <dgm:cxnLst>
+    <dgm:cxn modelId="{B6A58EF3-4A6C-4FDB-B77A-E1939C4E4837}" type="presOf" srcId="{5CCAE35F-8951-42A7-BCC6-D8D1866CE451}" destId="{40618AF8-E476-46B3-81A3-C0F7E8790516}" srcOrd="0" destOrd="0" presId="urn:microsoft.com/office/officeart/2005/8/layout/default"/>
     <dgm:cxn modelId="{DB53A128-33F1-4EE2-9961-48CF3E8A028D}" srcId="{5CCAE35F-8951-42A7-BCC6-D8D1866CE451}" destId="{28DF9378-09B8-495B-BA81-3C73656AE95C}" srcOrd="3" destOrd="0" parTransId="{AA80693B-114D-4E74-89F7-B37585F9074D}" sibTransId="{B9E3B38A-5467-48ED-8110-FE48B339A825}"/>
-    <dgm:cxn modelId="{E730C236-6310-4BE2-A0DE-4811475AA803}" type="presOf" srcId="{D536E29D-97F9-408E-9D90-5AFA39F979F8}" destId="{AC65C2B3-96E4-4390-BCB2-1258E9DF06D2}" srcOrd="0" destOrd="0" presId="urn:microsoft.com/office/officeart/2005/8/layout/default"/>
+    <dgm:cxn modelId="{F5DE89B9-5C6D-43B0-871B-A870781EBCFB}" type="presOf" srcId="{68F5407C-4842-4C7F-9ED7-9AF1D2D05FEC}" destId="{669CDA91-C287-4CD1-B1C0-4BAAA1665639}" srcOrd="0" destOrd="0" presId="urn:microsoft.com/office/officeart/2005/8/layout/default"/>
     <dgm:cxn modelId="{108A263D-D2BA-435C-A05D-01C9EBB9C3FA}" srcId="{5CCAE35F-8951-42A7-BCC6-D8D1866CE451}" destId="{0BCA1B82-E701-4F06-86EA-F6EC90C1CE67}" srcOrd="1" destOrd="0" parTransId="{BCC7A50F-02FF-4EFF-89CA-740431A2C4C6}" sibTransId="{70133A41-F18E-40AA-80FF-4A7245F1C4BD}"/>
     <dgm:cxn modelId="{1157025F-9CC1-409B-9E76-AA83707BF9A9}" type="presOf" srcId="{0BCA1B82-E701-4F06-86EA-F6EC90C1CE67}" destId="{3353084F-6745-4D22-A374-F11D83B42F70}" srcOrd="0" destOrd="0" presId="urn:microsoft.com/office/officeart/2005/8/layout/default"/>
+    <dgm:cxn modelId="{E96CDD86-5AAF-429A-9EDF-59E07D1AD4AA}" type="presOf" srcId="{3D200745-E15F-473F-BFEC-710543785A95}" destId="{208C52DA-988C-45F9-910B-DFDCE6106A50}" srcOrd="0" destOrd="0" presId="urn:microsoft.com/office/officeart/2005/8/layout/default"/>
+    <dgm:cxn modelId="{A1B907BD-720D-445C-903B-BA7F6DF8FB5A}" srcId="{5CCAE35F-8951-42A7-BCC6-D8D1866CE451}" destId="{68F5407C-4842-4C7F-9ED7-9AF1D2D05FEC}" srcOrd="0" destOrd="0" parTransId="{9E987C04-C186-4B25-8760-157918EFB6D3}" sibTransId="{C37A9539-FCF5-4B22-B32F-5357F901CA83}"/>
+    <dgm:cxn modelId="{FEB33637-BFBF-4791-88BC-F6FBAE57730E}" srcId="{5CCAE35F-8951-42A7-BCC6-D8D1866CE451}" destId="{3D200745-E15F-473F-BFEC-710543785A95}" srcOrd="2" destOrd="0" parTransId="{5B874519-3D44-48DC-A91A-B7962C1BE813}" sibTransId="{52D4E755-2E6D-41A8-96F5-AE053F9D4A97}"/>
     <dgm:cxn modelId="{7BC23D7D-E71E-4E99-8242-334B0C5F2B8B}" type="presOf" srcId="{28DF9378-09B8-495B-BA81-3C73656AE95C}" destId="{854801FA-E6F1-4E58-BD4F-37A39517F6E9}" srcOrd="0" destOrd="0" presId="urn:microsoft.com/office/officeart/2005/8/layout/default"/>
-    <dgm:cxn modelId="{F5DE89B9-5C6D-43B0-871B-A870781EBCFB}" type="presOf" srcId="{68F5407C-4842-4C7F-9ED7-9AF1D2D05FEC}" destId="{669CDA91-C287-4CD1-B1C0-4BAAA1665639}" srcOrd="0" destOrd="0" presId="urn:microsoft.com/office/officeart/2005/8/layout/default"/>
-    <dgm:cxn modelId="{A1B907BD-720D-445C-903B-BA7F6DF8FB5A}" srcId="{5CCAE35F-8951-42A7-BCC6-D8D1866CE451}" destId="{68F5407C-4842-4C7F-9ED7-9AF1D2D05FEC}" srcOrd="0" destOrd="0" parTransId="{9E987C04-C186-4B25-8760-157918EFB6D3}" sibTransId="{C37A9539-FCF5-4B22-B32F-5357F901CA83}"/>
-    <dgm:cxn modelId="{470B94E9-ED5C-4A1C-8B1C-6DF0BA630095}" srcId="{5CCAE35F-8951-42A7-BCC6-D8D1866CE451}" destId="{D536E29D-97F9-408E-9D90-5AFA39F979F8}" srcOrd="2" destOrd="0" parTransId="{38EB7916-D2FA-4B25-9A9E-69482963197B}" sibTransId="{139A8200-4446-4157-9351-364B8BF46638}"/>
-    <dgm:cxn modelId="{B6A58EF3-4A6C-4FDB-B77A-E1939C4E4837}" type="presOf" srcId="{5CCAE35F-8951-42A7-BCC6-D8D1866CE451}" destId="{40618AF8-E476-46B3-81A3-C0F7E8790516}" srcOrd="0" destOrd="0" presId="urn:microsoft.com/office/officeart/2005/8/layout/default"/>
     <dgm:cxn modelId="{6614D481-E547-48A0-8BBB-D5DC3DAF980E}" type="presParOf" srcId="{40618AF8-E476-46B3-81A3-C0F7E8790516}" destId="{669CDA91-C287-4CD1-B1C0-4BAAA1665639}" srcOrd="0" destOrd="0" presId="urn:microsoft.com/office/officeart/2005/8/layout/default"/>
     <dgm:cxn modelId="{CD48A2F0-DDD5-4DD6-A130-CA07B0D75817}" type="presParOf" srcId="{40618AF8-E476-46B3-81A3-C0F7E8790516}" destId="{A11EA1E1-4203-46AF-84EA-CF61F6BA87BE}" srcOrd="1" destOrd="0" presId="urn:microsoft.com/office/officeart/2005/8/layout/default"/>
     <dgm:cxn modelId="{8520AB1B-9239-4DB6-9B22-09E4FA184D6C}" type="presParOf" srcId="{40618AF8-E476-46B3-81A3-C0F7E8790516}" destId="{3353084F-6745-4D22-A374-F11D83B42F70}" srcOrd="2" destOrd="0" presId="urn:microsoft.com/office/officeart/2005/8/layout/default"/>
     <dgm:cxn modelId="{CE151E71-EF79-4F26-810D-8F3ECD752627}" type="presParOf" srcId="{40618AF8-E476-46B3-81A3-C0F7E8790516}" destId="{0985A9B1-E881-4822-8507-9737087B31E8}" srcOrd="3" destOrd="0" presId="urn:microsoft.com/office/officeart/2005/8/layout/default"/>
-    <dgm:cxn modelId="{4704A18D-5BF7-4932-8A5F-36840C96F867}" type="presParOf" srcId="{40618AF8-E476-46B3-81A3-C0F7E8790516}" destId="{AC65C2B3-96E4-4390-BCB2-1258E9DF06D2}" srcOrd="4" destOrd="0" presId="urn:microsoft.com/office/officeart/2005/8/layout/default"/>
-    <dgm:cxn modelId="{94FC3518-D61A-4A6F-B6D3-41251CBE2C81}" type="presParOf" srcId="{40618AF8-E476-46B3-81A3-C0F7E8790516}" destId="{4E316298-5D3A-44DD-AF11-89CA260BC036}" srcOrd="5" destOrd="0" presId="urn:microsoft.com/office/officeart/2005/8/layout/default"/>
+    <dgm:cxn modelId="{C091AAB5-6770-4138-BADC-72977A99622B}" type="presParOf" srcId="{40618AF8-E476-46B3-81A3-C0F7E8790516}" destId="{208C52DA-988C-45F9-910B-DFDCE6106A50}" srcOrd="4" destOrd="0" presId="urn:microsoft.com/office/officeart/2005/8/layout/default"/>
+    <dgm:cxn modelId="{985D79D5-C7C3-4BCC-BF1E-08E09A4D8500}" type="presParOf" srcId="{40618AF8-E476-46B3-81A3-C0F7E8790516}" destId="{A552657B-0321-4C1D-BF5F-0381BE6A7FD6}" srcOrd="5" destOrd="0" presId="urn:microsoft.com/office/officeart/2005/8/layout/default"/>
     <dgm:cxn modelId="{9C7B0693-7D77-40CB-BC75-0FCF86F55253}" type="presParOf" srcId="{40618AF8-E476-46B3-81A3-C0F7E8790516}" destId="{854801FA-E6F1-4E58-BD4F-37A39517F6E9}" srcOrd="6" destOrd="0" presId="urn:microsoft.com/office/officeart/2005/8/layout/default"/>
   </dgm:cxnLst>
   <dgm:bg/>
@@ -4888,6 +5069,13 @@
         </dgm:presLayoutVars>
       </dgm:prSet>
       <dgm:spPr/>
+      <dgm:t>
+        <a:bodyPr/>
+        <a:lstStyle/>
+        <a:p>
+          <a:endParaRPr lang="en-US"/>
+        </a:p>
+      </dgm:t>
     </dgm:pt>
     <dgm:pt modelId="{BCB566F2-F5DB-47C3-BC53-BEB32239CB89}" type="pres">
       <dgm:prSet presAssocID="{109893F8-9634-4419-A556-2D1D95BC7469}" presName="hierRoot1" presStyleCnt="0">
@@ -4908,10 +5096,24 @@
         </dgm:presLayoutVars>
       </dgm:prSet>
       <dgm:spPr/>
+      <dgm:t>
+        <a:bodyPr/>
+        <a:lstStyle/>
+        <a:p>
+          <a:endParaRPr lang="en-US"/>
+        </a:p>
+      </dgm:t>
     </dgm:pt>
     <dgm:pt modelId="{0C6501A3-DA92-4A24-B4E8-937D25437338}" type="pres">
       <dgm:prSet presAssocID="{109893F8-9634-4419-A556-2D1D95BC7469}" presName="rootConnector1" presStyleLbl="node1" presStyleIdx="0" presStyleCnt="0"/>
       <dgm:spPr/>
+      <dgm:t>
+        <a:bodyPr/>
+        <a:lstStyle/>
+        <a:p>
+          <a:endParaRPr lang="en-US"/>
+        </a:p>
+      </dgm:t>
     </dgm:pt>
     <dgm:pt modelId="{F849BBD0-1CFF-4429-A835-C6D033AD748E}" type="pres">
       <dgm:prSet presAssocID="{109893F8-9634-4419-A556-2D1D95BC7469}" presName="hierChild2" presStyleCnt="0"/>
@@ -4920,6 +5122,13 @@
     <dgm:pt modelId="{06CE05B1-33FB-4D0E-9108-3D24675623CA}" type="pres">
       <dgm:prSet presAssocID="{04A2C270-9845-47CE-AF92-924ECEDFE7C1}" presName="Name37" presStyleLbl="parChTrans1D2" presStyleIdx="0" presStyleCnt="2"/>
       <dgm:spPr/>
+      <dgm:t>
+        <a:bodyPr/>
+        <a:lstStyle/>
+        <a:p>
+          <a:endParaRPr lang="en-US"/>
+        </a:p>
+      </dgm:t>
     </dgm:pt>
     <dgm:pt modelId="{8E89BE9B-AE1F-4AE0-A645-751C19B5003B}" type="pres">
       <dgm:prSet presAssocID="{24D10FD8-5184-4F5A-A075-C19DD6F88470}" presName="hierRoot2" presStyleCnt="0">
@@ -4940,10 +5149,24 @@
         </dgm:presLayoutVars>
       </dgm:prSet>
       <dgm:spPr/>
+      <dgm:t>
+        <a:bodyPr/>
+        <a:lstStyle/>
+        <a:p>
+          <a:endParaRPr lang="en-US"/>
+        </a:p>
+      </dgm:t>
     </dgm:pt>
     <dgm:pt modelId="{5E127FC3-182A-42EC-9C60-4E4E3BBFD11B}" type="pres">
       <dgm:prSet presAssocID="{24D10FD8-5184-4F5A-A075-C19DD6F88470}" presName="rootConnector" presStyleLbl="node2" presStyleIdx="0" presStyleCnt="2"/>
       <dgm:spPr/>
+      <dgm:t>
+        <a:bodyPr/>
+        <a:lstStyle/>
+        <a:p>
+          <a:endParaRPr lang="en-US"/>
+        </a:p>
+      </dgm:t>
     </dgm:pt>
     <dgm:pt modelId="{DE289F4A-0F90-4826-8C3B-9D8DDB1BC86A}" type="pres">
       <dgm:prSet presAssocID="{24D10FD8-5184-4F5A-A075-C19DD6F88470}" presName="hierChild4" presStyleCnt="0"/>
@@ -4956,6 +5179,13 @@
     <dgm:pt modelId="{5F52DF63-FA69-41EE-A97B-04D44E851A1D}" type="pres">
       <dgm:prSet presAssocID="{DFE64E84-687C-4633-A159-DCE300EF49ED}" presName="Name37" presStyleLbl="parChTrans1D2" presStyleIdx="1" presStyleCnt="2"/>
       <dgm:spPr/>
+      <dgm:t>
+        <a:bodyPr/>
+        <a:lstStyle/>
+        <a:p>
+          <a:endParaRPr lang="en-US"/>
+        </a:p>
+      </dgm:t>
     </dgm:pt>
     <dgm:pt modelId="{8426D940-A581-4955-BA0E-48ABFA333C00}" type="pres">
       <dgm:prSet presAssocID="{3096FB99-F550-4B66-A20E-E63FAE6122A4}" presName="hierRoot2" presStyleCnt="0">
@@ -4976,10 +5206,24 @@
         </dgm:presLayoutVars>
       </dgm:prSet>
       <dgm:spPr/>
+      <dgm:t>
+        <a:bodyPr/>
+        <a:lstStyle/>
+        <a:p>
+          <a:endParaRPr lang="en-US"/>
+        </a:p>
+      </dgm:t>
     </dgm:pt>
     <dgm:pt modelId="{E49E1CDB-EFC0-43A4-881E-8EB2B88D7F29}" type="pres">
       <dgm:prSet presAssocID="{3096FB99-F550-4B66-A20E-E63FAE6122A4}" presName="rootConnector" presStyleLbl="node2" presStyleIdx="1" presStyleCnt="2"/>
       <dgm:spPr/>
+      <dgm:t>
+        <a:bodyPr/>
+        <a:lstStyle/>
+        <a:p>
+          <a:endParaRPr lang="en-US"/>
+        </a:p>
+      </dgm:t>
     </dgm:pt>
     <dgm:pt modelId="{D220982A-A711-4DC1-AE3E-3D48016FB9DA}" type="pres">
       <dgm:prSet presAssocID="{3096FB99-F550-4B66-A20E-E63FAE6122A4}" presName="hierChild4" presStyleCnt="0"/>
@@ -4995,18 +5239,18 @@
     </dgm:pt>
   </dgm:ptLst>
   <dgm:cxnLst>
+    <dgm:cxn modelId="{0DDD01FE-AD61-4F59-93C6-F381B83F3DE3}" type="presOf" srcId="{109893F8-9634-4419-A556-2D1D95BC7469}" destId="{38702633-BA09-4998-BC13-FCBC95F21AF9}" srcOrd="0" destOrd="0" presId="urn:microsoft.com/office/officeart/2005/8/layout/orgChart1"/>
+    <dgm:cxn modelId="{62DF357F-7824-4FB9-9639-F319C6AFC530}" srcId="{109893F8-9634-4419-A556-2D1D95BC7469}" destId="{3096FB99-F550-4B66-A20E-E63FAE6122A4}" srcOrd="1" destOrd="0" parTransId="{DFE64E84-687C-4633-A159-DCE300EF49ED}" sibTransId="{3496C967-0323-49DC-93AB-1B5D38295864}"/>
+    <dgm:cxn modelId="{168A59F7-DA04-49DB-96DC-B4B135C5512A}" type="presOf" srcId="{24D10FD8-5184-4F5A-A075-C19DD6F88470}" destId="{B6E4B66D-885D-4765-9FF2-3B014B7825AE}" srcOrd="0" destOrd="0" presId="urn:microsoft.com/office/officeart/2005/8/layout/orgChart1"/>
+    <dgm:cxn modelId="{75437A9A-291F-4E0C-A81D-DD8397226815}" type="presOf" srcId="{24D10FD8-5184-4F5A-A075-C19DD6F88470}" destId="{5E127FC3-182A-42EC-9C60-4E4E3BBFD11B}" srcOrd="1" destOrd="0" presId="urn:microsoft.com/office/officeart/2005/8/layout/orgChart1"/>
+    <dgm:cxn modelId="{63B529A8-423B-418B-B053-8D38AAA99A19}" srcId="{109893F8-9634-4419-A556-2D1D95BC7469}" destId="{24D10FD8-5184-4F5A-A075-C19DD6F88470}" srcOrd="0" destOrd="0" parTransId="{04A2C270-9845-47CE-AF92-924ECEDFE7C1}" sibTransId="{A22FCEEE-F4DF-4AB2-AF89-EE209522B9D4}"/>
     <dgm:cxn modelId="{5E741101-5B23-4A60-B408-33DFEB1BDF86}" type="presOf" srcId="{3096FB99-F550-4B66-A20E-E63FAE6122A4}" destId="{E49E1CDB-EFC0-43A4-881E-8EB2B88D7F29}" srcOrd="1" destOrd="0" presId="urn:microsoft.com/office/officeart/2005/8/layout/orgChart1"/>
+    <dgm:cxn modelId="{BD76442A-E80F-4D76-8455-CEDE92F55180}" type="presOf" srcId="{04A2C270-9845-47CE-AF92-924ECEDFE7C1}" destId="{06CE05B1-33FB-4D0E-9108-3D24675623CA}" srcOrd="0" destOrd="0" presId="urn:microsoft.com/office/officeart/2005/8/layout/orgChart1"/>
+    <dgm:cxn modelId="{1DC8FD89-D9BF-47BC-A389-62B87BA0B617}" type="presOf" srcId="{109893F8-9634-4419-A556-2D1D95BC7469}" destId="{0C6501A3-DA92-4A24-B4E8-937D25437338}" srcOrd="1" destOrd="0" presId="urn:microsoft.com/office/officeart/2005/8/layout/orgChart1"/>
+    <dgm:cxn modelId="{F2CDA99C-3AB9-4829-A8D7-ADA2454A1F35}" srcId="{EC38DF6B-826F-4E0D-AC00-21FFB899C267}" destId="{109893F8-9634-4419-A556-2D1D95BC7469}" srcOrd="0" destOrd="0" parTransId="{5AD31CC5-32D8-4038-A175-D6EE3455B4FB}" sibTransId="{8E64AD46-8865-4702-84AE-A691F87F1884}"/>
+    <dgm:cxn modelId="{36EBBEFC-19C0-467D-AF29-E4EB9410053E}" type="presOf" srcId="{3096FB99-F550-4B66-A20E-E63FAE6122A4}" destId="{B68F3179-7EA2-4303-826F-CEA11E7DEDF6}" srcOrd="0" destOrd="0" presId="urn:microsoft.com/office/officeart/2005/8/layout/orgChart1"/>
     <dgm:cxn modelId="{8C165A02-8EDC-4FBD-B049-B58791AC5E5E}" type="presOf" srcId="{DFE64E84-687C-4633-A159-DCE300EF49ED}" destId="{5F52DF63-FA69-41EE-A97B-04D44E851A1D}" srcOrd="0" destOrd="0" presId="urn:microsoft.com/office/officeart/2005/8/layout/orgChart1"/>
-    <dgm:cxn modelId="{BD76442A-E80F-4D76-8455-CEDE92F55180}" type="presOf" srcId="{04A2C270-9845-47CE-AF92-924ECEDFE7C1}" destId="{06CE05B1-33FB-4D0E-9108-3D24675623CA}" srcOrd="0" destOrd="0" presId="urn:microsoft.com/office/officeart/2005/8/layout/orgChart1"/>
-    <dgm:cxn modelId="{62DF357F-7824-4FB9-9639-F319C6AFC530}" srcId="{109893F8-9634-4419-A556-2D1D95BC7469}" destId="{3096FB99-F550-4B66-A20E-E63FAE6122A4}" srcOrd="1" destOrd="0" parTransId="{DFE64E84-687C-4633-A159-DCE300EF49ED}" sibTransId="{3496C967-0323-49DC-93AB-1B5D38295864}"/>
-    <dgm:cxn modelId="{1DC8FD89-D9BF-47BC-A389-62B87BA0B617}" type="presOf" srcId="{109893F8-9634-4419-A556-2D1D95BC7469}" destId="{0C6501A3-DA92-4A24-B4E8-937D25437338}" srcOrd="1" destOrd="0" presId="urn:microsoft.com/office/officeart/2005/8/layout/orgChart1"/>
-    <dgm:cxn modelId="{75437A9A-291F-4E0C-A81D-DD8397226815}" type="presOf" srcId="{24D10FD8-5184-4F5A-A075-C19DD6F88470}" destId="{5E127FC3-182A-42EC-9C60-4E4E3BBFD11B}" srcOrd="1" destOrd="0" presId="urn:microsoft.com/office/officeart/2005/8/layout/orgChart1"/>
-    <dgm:cxn modelId="{F2CDA99C-3AB9-4829-A8D7-ADA2454A1F35}" srcId="{EC38DF6B-826F-4E0D-AC00-21FFB899C267}" destId="{109893F8-9634-4419-A556-2D1D95BC7469}" srcOrd="0" destOrd="0" parTransId="{5AD31CC5-32D8-4038-A175-D6EE3455B4FB}" sibTransId="{8E64AD46-8865-4702-84AE-A691F87F1884}"/>
-    <dgm:cxn modelId="{63B529A8-423B-418B-B053-8D38AAA99A19}" srcId="{109893F8-9634-4419-A556-2D1D95BC7469}" destId="{24D10FD8-5184-4F5A-A075-C19DD6F88470}" srcOrd="0" destOrd="0" parTransId="{04A2C270-9845-47CE-AF92-924ECEDFE7C1}" sibTransId="{A22FCEEE-F4DF-4AB2-AF89-EE209522B9D4}"/>
     <dgm:cxn modelId="{FD8C94D0-1775-4BB6-B4EF-31C35F3B1698}" type="presOf" srcId="{EC38DF6B-826F-4E0D-AC00-21FFB899C267}" destId="{F97F541D-3428-40F9-8856-A86C2C87AEEE}" srcOrd="0" destOrd="0" presId="urn:microsoft.com/office/officeart/2005/8/layout/orgChart1"/>
-    <dgm:cxn modelId="{168A59F7-DA04-49DB-96DC-B4B135C5512A}" type="presOf" srcId="{24D10FD8-5184-4F5A-A075-C19DD6F88470}" destId="{B6E4B66D-885D-4765-9FF2-3B014B7825AE}" srcOrd="0" destOrd="0" presId="urn:microsoft.com/office/officeart/2005/8/layout/orgChart1"/>
-    <dgm:cxn modelId="{36EBBEFC-19C0-467D-AF29-E4EB9410053E}" type="presOf" srcId="{3096FB99-F550-4B66-A20E-E63FAE6122A4}" destId="{B68F3179-7EA2-4303-826F-CEA11E7DEDF6}" srcOrd="0" destOrd="0" presId="urn:microsoft.com/office/officeart/2005/8/layout/orgChart1"/>
-    <dgm:cxn modelId="{0DDD01FE-AD61-4F59-93C6-F381B83F3DE3}" type="presOf" srcId="{109893F8-9634-4419-A556-2D1D95BC7469}" destId="{38702633-BA09-4998-BC13-FCBC95F21AF9}" srcOrd="0" destOrd="0" presId="urn:microsoft.com/office/officeart/2005/8/layout/orgChart1"/>
     <dgm:cxn modelId="{8F31C375-053D-4194-B5F6-FAA2E077F211}" type="presParOf" srcId="{F97F541D-3428-40F9-8856-A86C2C87AEEE}" destId="{BCB566F2-F5DB-47C3-BC53-BEB32239CB89}" srcOrd="0" destOrd="0" presId="urn:microsoft.com/office/officeart/2005/8/layout/orgChart1"/>
     <dgm:cxn modelId="{EFC6870F-2CE1-45AD-949D-2F31C6421367}" type="presParOf" srcId="{BCB566F2-F5DB-47C3-BC53-BEB32239CB89}" destId="{E2C0FDE9-EA33-460A-A655-A28D1E98F254}" srcOrd="0" destOrd="0" presId="urn:microsoft.com/office/officeart/2005/8/layout/orgChart1"/>
     <dgm:cxn modelId="{CD2109B1-1131-440C-AC37-5436F90AEF54}" type="presParOf" srcId="{E2C0FDE9-EA33-460A-A655-A28D1E98F254}" destId="{38702633-BA09-4998-BC13-FCBC95F21AF9}" srcOrd="0" destOrd="0" presId="urn:microsoft.com/office/officeart/2005/8/layout/orgChart1"/>
@@ -5121,7 +5365,7 @@
         </a:bodyPr>
         <a:lstStyle/>
         <a:p>
-          <a:pPr marL="0" lvl="0" indent="0" algn="l" defTabSz="933450">
+          <a:pPr lvl="0" algn="l" defTabSz="933450">
             <a:lnSpc>
               <a:spcPct val="90000"/>
             </a:lnSpc>
@@ -5131,7 +5375,6 @@
             <a:spcAft>
               <a:spcPct val="35000"/>
             </a:spcAft>
-            <a:buNone/>
           </a:pPr>
           <a:r>
             <a:rPr lang="en-US" sz="2100" kern="1200" dirty="0"/>
@@ -5149,7 +5392,7 @@
             <a:spcAft>
               <a:spcPct val="15000"/>
             </a:spcAft>
-            <a:buChar char="•"/>
+            <a:buChar char="••"/>
           </a:pPr>
           <a:r>
             <a:rPr lang="en-US" sz="1600" kern="1200" dirty="0"/>
@@ -5237,7 +5480,7 @@
         </a:bodyPr>
         <a:lstStyle/>
         <a:p>
-          <a:pPr marL="0" lvl="0" indent="0" algn="l" defTabSz="933450">
+          <a:pPr lvl="0" algn="l" defTabSz="933450">
             <a:lnSpc>
               <a:spcPct val="90000"/>
             </a:lnSpc>
@@ -5247,7 +5490,6 @@
             <a:spcAft>
               <a:spcPct val="35000"/>
             </a:spcAft>
-            <a:buNone/>
           </a:pPr>
           <a:r>
             <a:rPr lang="en-US" sz="2100" kern="1200" dirty="0"/>
@@ -5265,7 +5507,7 @@
             <a:spcAft>
               <a:spcPct val="15000"/>
             </a:spcAft>
-            <a:buChar char="•"/>
+            <a:buChar char="••"/>
           </a:pPr>
           <a:r>
             <a:rPr lang="en-US" sz="1600" kern="1200" dirty="0"/>
@@ -5353,7 +5595,7 @@
         </a:bodyPr>
         <a:lstStyle/>
         <a:p>
-          <a:pPr marL="0" lvl="0" indent="0" algn="l" defTabSz="933450">
+          <a:pPr lvl="0" algn="l" defTabSz="933450">
             <a:lnSpc>
               <a:spcPct val="90000"/>
             </a:lnSpc>
@@ -5363,7 +5605,6 @@
             <a:spcAft>
               <a:spcPct val="35000"/>
             </a:spcAft>
-            <a:buNone/>
           </a:pPr>
           <a:r>
             <a:rPr lang="en-US" sz="2100" kern="1200" dirty="0"/>
@@ -5381,7 +5622,7 @@
             <a:spcAft>
               <a:spcPct val="15000"/>
             </a:spcAft>
-            <a:buChar char="•"/>
+            <a:buChar char="••"/>
           </a:pPr>
           <a:r>
             <a:rPr lang="en-US" sz="1600" kern="1200" dirty="0"/>
@@ -5469,7 +5710,7 @@
         </a:bodyPr>
         <a:lstStyle/>
         <a:p>
-          <a:pPr marL="0" lvl="0" indent="0" algn="l" defTabSz="933450">
+          <a:pPr lvl="0" algn="l" defTabSz="933450">
             <a:lnSpc>
               <a:spcPct val="90000"/>
             </a:lnSpc>
@@ -5479,7 +5720,6 @@
             <a:spcAft>
               <a:spcPct val="35000"/>
             </a:spcAft>
-            <a:buNone/>
           </a:pPr>
           <a:r>
             <a:rPr lang="en-US" sz="2100" kern="1200" dirty="0"/>
@@ -5497,7 +5737,7 @@
             <a:spcAft>
               <a:spcPct val="15000"/>
             </a:spcAft>
-            <a:buChar char="•"/>
+            <a:buChar char="••"/>
           </a:pPr>
           <a:r>
             <a:rPr lang="en-US" sz="1600" kern="1200" dirty="0"/>
@@ -5576,7 +5816,7 @@
         </a:bodyPr>
         <a:lstStyle/>
         <a:p>
-          <a:pPr marL="0" lvl="0" indent="0" algn="ctr" defTabSz="1111250">
+          <a:pPr lvl="0" algn="ctr" defTabSz="1111250">
             <a:lnSpc>
               <a:spcPct val="90000"/>
             </a:lnSpc>
@@ -5586,7 +5826,6 @@
             <a:spcAft>
               <a:spcPct val="35000"/>
             </a:spcAft>
-            <a:buNone/>
           </a:pPr>
           <a:endParaRPr lang="en-US" sz="2500" kern="1200"/>
         </a:p>
@@ -5662,7 +5901,7 @@
         </a:bodyPr>
         <a:lstStyle/>
         <a:p>
-          <a:pPr marL="0" lvl="0" indent="0" algn="ctr" defTabSz="1111250">
+          <a:pPr lvl="0" algn="ctr" defTabSz="1111250">
             <a:lnSpc>
               <a:spcPct val="90000"/>
             </a:lnSpc>
@@ -5672,7 +5911,6 @@
             <a:spcAft>
               <a:spcPct val="35000"/>
             </a:spcAft>
-            <a:buNone/>
           </a:pPr>
           <a:endParaRPr lang="en-US" sz="2500" kern="1200"/>
         </a:p>
@@ -5748,7 +5986,7 @@
         </a:bodyPr>
         <a:lstStyle/>
         <a:p>
-          <a:pPr marL="0" lvl="0" indent="0" algn="ctr" defTabSz="1111250">
+          <a:pPr lvl="0" algn="ctr" defTabSz="1111250">
             <a:lnSpc>
               <a:spcPct val="90000"/>
             </a:lnSpc>
@@ -5758,7 +5996,6 @@
             <a:spcAft>
               <a:spcPct val="35000"/>
             </a:spcAft>
-            <a:buNone/>
           </a:pPr>
           <a:endParaRPr lang="en-US" sz="2500" kern="1200"/>
         </a:p>
@@ -5927,7 +6164,7 @@
         </a:bodyPr>
         <a:lstStyle/>
         <a:p>
-          <a:pPr marL="0" lvl="0" indent="0" algn="ctr" defTabSz="889000">
+          <a:pPr lvl="0" algn="ctr" defTabSz="889000">
             <a:lnSpc>
               <a:spcPct val="90000"/>
             </a:lnSpc>
@@ -5937,7 +6174,6 @@
             <a:spcAft>
               <a:spcPct val="35000"/>
             </a:spcAft>
-            <a:buNone/>
           </a:pPr>
           <a:r>
             <a:rPr lang="en-US" sz="2000" kern="1200" dirty="0"/>
@@ -5997,7 +6233,7 @@
             <a:spcAft>
               <a:spcPct val="15000"/>
             </a:spcAft>
-            <a:buChar char="•"/>
+            <a:buChar char="••"/>
           </a:pPr>
           <a:r>
             <a:rPr lang="en-US" sz="2800" kern="1200" dirty="0"/>
@@ -6157,7 +6393,7 @@
         </a:bodyPr>
         <a:lstStyle/>
         <a:p>
-          <a:pPr marL="0" lvl="0" indent="0" algn="ctr" defTabSz="889000">
+          <a:pPr lvl="0" algn="ctr" defTabSz="889000">
             <a:lnSpc>
               <a:spcPct val="90000"/>
             </a:lnSpc>
@@ -6167,7 +6403,6 @@
             <a:spcAft>
               <a:spcPct val="35000"/>
             </a:spcAft>
-            <a:buNone/>
           </a:pPr>
           <a:r>
             <a:rPr lang="en-US" sz="2000" kern="1200" dirty="0"/>
@@ -6227,7 +6462,7 @@
             <a:spcAft>
               <a:spcPct val="15000"/>
             </a:spcAft>
-            <a:buChar char="•"/>
+            <a:buChar char="••"/>
           </a:pPr>
           <a:r>
             <a:rPr lang="en-US" sz="2800" kern="1200" dirty="0"/>
@@ -6387,7 +6622,7 @@
         </a:bodyPr>
         <a:lstStyle/>
         <a:p>
-          <a:pPr marL="0" lvl="0" indent="0" algn="ctr" defTabSz="889000">
+          <a:pPr lvl="0" algn="ctr" defTabSz="889000">
             <a:lnSpc>
               <a:spcPct val="90000"/>
             </a:lnSpc>
@@ -6397,7 +6632,6 @@
             <a:spcAft>
               <a:spcPct val="35000"/>
             </a:spcAft>
-            <a:buNone/>
           </a:pPr>
           <a:r>
             <a:rPr lang="en-US" sz="2000" kern="1200" dirty="0"/>
@@ -6457,7 +6691,7 @@
             <a:spcAft>
               <a:spcPct val="15000"/>
             </a:spcAft>
-            <a:buChar char="•"/>
+            <a:buChar char="••"/>
           </a:pPr>
           <a:r>
             <a:rPr lang="en-US" sz="2800" kern="1200" dirty="0"/>
@@ -6545,7 +6779,7 @@
         </a:bodyPr>
         <a:lstStyle/>
         <a:p>
-          <a:pPr marL="0" lvl="0" indent="0" algn="ctr" defTabSz="889000">
+          <a:pPr lvl="0" algn="ctr" defTabSz="889000">
             <a:lnSpc>
               <a:spcPct val="90000"/>
             </a:lnSpc>
@@ -6555,7 +6789,6 @@
             <a:spcAft>
               <a:spcPct val="35000"/>
             </a:spcAft>
-            <a:buNone/>
           </a:pPr>
           <a:r>
             <a:rPr lang="en-US" sz="2000" kern="1200" dirty="0"/>
@@ -6648,12 +6881,12 @@
         </a:fontRef>
       </dsp:style>
       <dsp:txBody>
-        <a:bodyPr spcFirstLastPara="0" vert="horz" wrap="square" lIns="167640" tIns="167640" rIns="167640" bIns="167640" numCol="1" spcCol="1270" anchor="ctr" anchorCtr="0">
+        <a:bodyPr spcFirstLastPara="0" vert="horz" wrap="square" lIns="114300" tIns="114300" rIns="114300" bIns="114300" numCol="1" spcCol="1270" anchor="ctr" anchorCtr="0">
           <a:noAutofit/>
         </a:bodyPr>
         <a:lstStyle/>
         <a:p>
-          <a:pPr marL="0" lvl="0" indent="0" algn="ctr" defTabSz="1955800">
+          <a:pPr lvl="0" algn="ctr" defTabSz="1333500">
             <a:lnSpc>
               <a:spcPct val="90000"/>
             </a:lnSpc>
@@ -6663,10 +6896,9 @@
             <a:spcAft>
               <a:spcPct val="35000"/>
             </a:spcAft>
-            <a:buNone/>
           </a:pPr>
           <a:r>
-            <a:rPr lang="en-US" sz="4400" kern="1200" dirty="0"/>
+            <a:rPr lang="en-US" sz="3000" kern="1200" dirty="0"/>
             <a:t>TF-IDF</a:t>
           </a:r>
         </a:p>
@@ -6683,7 +6915,7 @@
       </dsp:nvSpPr>
       <dsp:spPr>
         <a:xfrm>
-          <a:off x="3591408" y="787"/>
+          <a:off x="3591408" y="0"/>
           <a:ext cx="2723182" cy="1633909"/>
         </a:xfrm>
         <a:prstGeom prst="rect">
@@ -6744,12 +6976,12 @@
         </a:fontRef>
       </dsp:style>
       <dsp:txBody>
-        <a:bodyPr spcFirstLastPara="0" vert="horz" wrap="square" lIns="167640" tIns="167640" rIns="167640" bIns="167640" numCol="1" spcCol="1270" anchor="ctr" anchorCtr="0">
+        <a:bodyPr spcFirstLastPara="0" vert="horz" wrap="square" lIns="114300" tIns="114300" rIns="114300" bIns="114300" numCol="1" spcCol="1270" anchor="ctr" anchorCtr="0">
           <a:noAutofit/>
         </a:bodyPr>
         <a:lstStyle/>
         <a:p>
-          <a:pPr marL="0" lvl="0" indent="0" algn="ctr" defTabSz="1955800">
+          <a:pPr lvl="0" algn="ctr" defTabSz="1333500">
             <a:lnSpc>
               <a:spcPct val="90000"/>
             </a:lnSpc>
@@ -6759,20 +6991,20 @@
             <a:spcAft>
               <a:spcPct val="35000"/>
             </a:spcAft>
-            <a:buNone/>
           </a:pPr>
           <a:r>
-            <a:rPr lang="en-US" sz="4400" kern="1200" dirty="0"/>
-            <a:t>N-Grams</a:t>
+            <a:rPr lang="en-US" sz="3000" kern="1200" dirty="0" smtClean="0"/>
+            <a:t>Linguistic Inquiry and Word Count (LIWC2)</a:t>
           </a:r>
+          <a:endParaRPr lang="en-US" sz="3000" kern="1200" dirty="0"/>
         </a:p>
       </dsp:txBody>
       <dsp:txXfrm>
-        <a:off x="3591408" y="787"/>
+        <a:off x="3591408" y="0"/>
         <a:ext cx="2723182" cy="1633909"/>
       </dsp:txXfrm>
     </dsp:sp>
-    <dsp:sp modelId="{AC65C2B3-96E4-4390-BCB2-1258E9DF06D2}">
+    <dsp:sp modelId="{208C52DA-988C-45F9-910B-DFDCE6106A50}">
       <dsp:nvSpPr>
         <dsp:cNvPr id="0" name=""/>
         <dsp:cNvSpPr/>
@@ -6840,12 +7072,12 @@
         </a:fontRef>
       </dsp:style>
       <dsp:txBody>
-        <a:bodyPr spcFirstLastPara="0" vert="horz" wrap="square" lIns="167640" tIns="167640" rIns="167640" bIns="167640" numCol="1" spcCol="1270" anchor="ctr" anchorCtr="0">
+        <a:bodyPr spcFirstLastPara="0" vert="horz" wrap="square" lIns="114300" tIns="114300" rIns="114300" bIns="114300" numCol="1" spcCol="1270" anchor="ctr" anchorCtr="0">
           <a:noAutofit/>
         </a:bodyPr>
         <a:lstStyle/>
         <a:p>
-          <a:pPr marL="0" lvl="0" indent="0" algn="ctr" defTabSz="1955800">
+          <a:pPr lvl="0" algn="ctr" defTabSz="1333500">
             <a:lnSpc>
               <a:spcPct val="90000"/>
             </a:lnSpc>
@@ -6855,12 +7087,16 @@
             <a:spcAft>
               <a:spcPct val="35000"/>
             </a:spcAft>
-            <a:buNone/>
           </a:pPr>
           <a:r>
-            <a:rPr lang="en-US" sz="4400" kern="1200" dirty="0"/>
-            <a:t>Contextual analysis</a:t>
+            <a:rPr lang="en-US" sz="3000" kern="1200"/>
+            <a:t>Capturing </a:t>
           </a:r>
+          <a:r>
+            <a:rPr lang="en-US" sz="3000" kern="1200" smtClean="0"/>
+            <a:t>pronouns</a:t>
+          </a:r>
+          <a:endParaRPr lang="en-US" sz="3000" kern="1200" dirty="0"/>
         </a:p>
       </dsp:txBody>
       <dsp:txXfrm>
@@ -6936,12 +7172,12 @@
         </a:fontRef>
       </dsp:style>
       <dsp:txBody>
-        <a:bodyPr spcFirstLastPara="0" vert="horz" wrap="square" lIns="167640" tIns="167640" rIns="167640" bIns="167640" numCol="1" spcCol="1270" anchor="ctr" anchorCtr="0">
+        <a:bodyPr spcFirstLastPara="0" vert="horz" wrap="square" lIns="114300" tIns="114300" rIns="114300" bIns="114300" numCol="1" spcCol="1270" anchor="ctr" anchorCtr="0">
           <a:noAutofit/>
         </a:bodyPr>
         <a:lstStyle/>
         <a:p>
-          <a:pPr marL="0" lvl="0" indent="0" algn="ctr" defTabSz="1955800">
+          <a:pPr lvl="0" algn="ctr" defTabSz="1333500">
             <a:lnSpc>
               <a:spcPct val="90000"/>
             </a:lnSpc>
@@ -6951,10 +7187,9 @@
             <a:spcAft>
               <a:spcPct val="35000"/>
             </a:spcAft>
-            <a:buNone/>
           </a:pPr>
           <a:r>
-            <a:rPr lang="en-US" sz="4400" kern="1200" dirty="0"/>
+            <a:rPr lang="en-US" sz="3000" kern="1200" dirty="0"/>
             <a:t>Sentiment Analysis</a:t>
           </a:r>
         </a:p>
@@ -6976,359 +7211,6 @@
       <dsp:cNvGrpSpPr/>
     </dsp:nvGrpSpPr>
     <dsp:grpSpPr/>
-    <dsp:sp modelId="{5F52DF63-FA69-41EE-A97B-04D44E851A1D}">
-      <dsp:nvSpPr>
-        <dsp:cNvPr id="0" name=""/>
-        <dsp:cNvSpPr/>
-      </dsp:nvSpPr>
-      <dsp:spPr>
-        <a:xfrm>
-          <a:off x="4953000" y="1463591"/>
-          <a:ext cx="1770431" cy="614529"/>
-        </a:xfrm>
-        <a:custGeom>
-          <a:avLst/>
-          <a:gdLst/>
-          <a:ahLst/>
-          <a:cxnLst/>
-          <a:rect l="0" t="0" r="0" b="0"/>
-          <a:pathLst>
-            <a:path>
-              <a:moveTo>
-                <a:pt x="0" y="0"/>
-              </a:moveTo>
-              <a:lnTo>
-                <a:pt x="0" y="307264"/>
-              </a:lnTo>
-              <a:lnTo>
-                <a:pt x="1770431" y="307264"/>
-              </a:lnTo>
-              <a:lnTo>
-                <a:pt x="1770431" y="614529"/>
-              </a:lnTo>
-            </a:path>
-          </a:pathLst>
-        </a:custGeom>
-        <a:noFill/>
-        <a:ln w="15875" cap="flat" cmpd="sng" algn="ctr">
-          <a:solidFill>
-            <a:schemeClr val="accent1">
-              <a:shade val="60000"/>
-              <a:hueOff val="0"/>
-              <a:satOff val="0"/>
-              <a:lumOff val="0"/>
-              <a:alphaOff val="0"/>
-            </a:schemeClr>
-          </a:solidFill>
-          <a:prstDash val="solid"/>
-        </a:ln>
-        <a:effectLst/>
-      </dsp:spPr>
-      <dsp:style>
-        <a:lnRef idx="2">
-          <a:scrgbClr r="0" g="0" b="0"/>
-        </a:lnRef>
-        <a:fillRef idx="0">
-          <a:scrgbClr r="0" g="0" b="0"/>
-        </a:fillRef>
-        <a:effectRef idx="0">
-          <a:scrgbClr r="0" g="0" b="0"/>
-        </a:effectRef>
-        <a:fontRef idx="minor"/>
-      </dsp:style>
-    </dsp:sp>
-    <dsp:sp modelId="{06CE05B1-33FB-4D0E-9108-3D24675623CA}">
-      <dsp:nvSpPr>
-        <dsp:cNvPr id="0" name=""/>
-        <dsp:cNvSpPr/>
-      </dsp:nvSpPr>
-      <dsp:spPr>
-        <a:xfrm>
-          <a:off x="3182568" y="1463591"/>
-          <a:ext cx="1770431" cy="614529"/>
-        </a:xfrm>
-        <a:custGeom>
-          <a:avLst/>
-          <a:gdLst/>
-          <a:ahLst/>
-          <a:cxnLst/>
-          <a:rect l="0" t="0" r="0" b="0"/>
-          <a:pathLst>
-            <a:path>
-              <a:moveTo>
-                <a:pt x="1770431" y="0"/>
-              </a:moveTo>
-              <a:lnTo>
-                <a:pt x="1770431" y="307264"/>
-              </a:lnTo>
-              <a:lnTo>
-                <a:pt x="0" y="307264"/>
-              </a:lnTo>
-              <a:lnTo>
-                <a:pt x="0" y="614529"/>
-              </a:lnTo>
-            </a:path>
-          </a:pathLst>
-        </a:custGeom>
-        <a:noFill/>
-        <a:ln w="15875" cap="flat" cmpd="sng" algn="ctr">
-          <a:solidFill>
-            <a:schemeClr val="accent1">
-              <a:shade val="60000"/>
-              <a:hueOff val="0"/>
-              <a:satOff val="0"/>
-              <a:lumOff val="0"/>
-              <a:alphaOff val="0"/>
-            </a:schemeClr>
-          </a:solidFill>
-          <a:prstDash val="solid"/>
-        </a:ln>
-        <a:effectLst/>
-      </dsp:spPr>
-      <dsp:style>
-        <a:lnRef idx="2">
-          <a:scrgbClr r="0" g="0" b="0"/>
-        </a:lnRef>
-        <a:fillRef idx="0">
-          <a:scrgbClr r="0" g="0" b="0"/>
-        </a:fillRef>
-        <a:effectRef idx="0">
-          <a:scrgbClr r="0" g="0" b="0"/>
-        </a:effectRef>
-        <a:fontRef idx="minor"/>
-      </dsp:style>
-    </dsp:sp>
-    <dsp:sp modelId="{38702633-BA09-4998-BC13-FCBC95F21AF9}">
-      <dsp:nvSpPr>
-        <dsp:cNvPr id="0" name=""/>
-        <dsp:cNvSpPr/>
-      </dsp:nvSpPr>
-      <dsp:spPr>
-        <a:xfrm>
-          <a:off x="3489833" y="424"/>
-          <a:ext cx="2926333" cy="1463166"/>
-        </a:xfrm>
-        <a:prstGeom prst="rect">
-          <a:avLst/>
-        </a:prstGeom>
-        <a:solidFill>
-          <a:schemeClr val="accent1">
-            <a:hueOff val="0"/>
-            <a:satOff val="0"/>
-            <a:lumOff val="0"/>
-            <a:alphaOff val="0"/>
-          </a:schemeClr>
-        </a:solidFill>
-        <a:ln w="15875" cap="flat" cmpd="sng" algn="ctr">
-          <a:solidFill>
-            <a:schemeClr val="lt1">
-              <a:hueOff val="0"/>
-              <a:satOff val="0"/>
-              <a:lumOff val="0"/>
-              <a:alphaOff val="0"/>
-            </a:schemeClr>
-          </a:solidFill>
-          <a:prstDash val="solid"/>
-        </a:ln>
-        <a:effectLst/>
-      </dsp:spPr>
-      <dsp:style>
-        <a:lnRef idx="2">
-          <a:scrgbClr r="0" g="0" b="0"/>
-        </a:lnRef>
-        <a:fillRef idx="1">
-          <a:scrgbClr r="0" g="0" b="0"/>
-        </a:fillRef>
-        <a:effectRef idx="0">
-          <a:scrgbClr r="0" g="0" b="0"/>
-        </a:effectRef>
-        <a:fontRef idx="minor">
-          <a:schemeClr val="lt1"/>
-        </a:fontRef>
-      </dsp:style>
-      <dsp:txBody>
-        <a:bodyPr spcFirstLastPara="0" vert="horz" wrap="square" lIns="34925" tIns="34925" rIns="34925" bIns="34925" numCol="1" spcCol="1270" anchor="ctr" anchorCtr="0">
-          <a:noAutofit/>
-        </a:bodyPr>
-        <a:lstStyle/>
-        <a:p>
-          <a:pPr marL="0" lvl="0" indent="0" algn="ctr" defTabSz="2444750">
-            <a:lnSpc>
-              <a:spcPct val="90000"/>
-            </a:lnSpc>
-            <a:spcBef>
-              <a:spcPct val="0"/>
-            </a:spcBef>
-            <a:spcAft>
-              <a:spcPct val="35000"/>
-            </a:spcAft>
-            <a:buNone/>
-          </a:pPr>
-          <a:r>
-            <a:rPr lang="en-US" sz="5500" kern="1200" dirty="0"/>
-            <a:t>Classifiers</a:t>
-          </a:r>
-        </a:p>
-      </dsp:txBody>
-      <dsp:txXfrm>
-        <a:off x="3489833" y="424"/>
-        <a:ext cx="2926333" cy="1463166"/>
-      </dsp:txXfrm>
-    </dsp:sp>
-    <dsp:sp modelId="{B6E4B66D-885D-4765-9FF2-3B014B7825AE}">
-      <dsp:nvSpPr>
-        <dsp:cNvPr id="0" name=""/>
-        <dsp:cNvSpPr/>
-      </dsp:nvSpPr>
-      <dsp:spPr>
-        <a:xfrm>
-          <a:off x="1719402" y="2078120"/>
-          <a:ext cx="2926333" cy="1463166"/>
-        </a:xfrm>
-        <a:prstGeom prst="rect">
-          <a:avLst/>
-        </a:prstGeom>
-        <a:solidFill>
-          <a:schemeClr val="accent1">
-            <a:hueOff val="0"/>
-            <a:satOff val="0"/>
-            <a:lumOff val="0"/>
-            <a:alphaOff val="0"/>
-          </a:schemeClr>
-        </a:solidFill>
-        <a:ln w="15875" cap="flat" cmpd="sng" algn="ctr">
-          <a:solidFill>
-            <a:schemeClr val="lt1">
-              <a:hueOff val="0"/>
-              <a:satOff val="0"/>
-              <a:lumOff val="0"/>
-              <a:alphaOff val="0"/>
-            </a:schemeClr>
-          </a:solidFill>
-          <a:prstDash val="solid"/>
-        </a:ln>
-        <a:effectLst/>
-      </dsp:spPr>
-      <dsp:style>
-        <a:lnRef idx="2">
-          <a:scrgbClr r="0" g="0" b="0"/>
-        </a:lnRef>
-        <a:fillRef idx="1">
-          <a:scrgbClr r="0" g="0" b="0"/>
-        </a:fillRef>
-        <a:effectRef idx="0">
-          <a:scrgbClr r="0" g="0" b="0"/>
-        </a:effectRef>
-        <a:fontRef idx="minor">
-          <a:schemeClr val="lt1"/>
-        </a:fontRef>
-      </dsp:style>
-      <dsp:txBody>
-        <a:bodyPr spcFirstLastPara="0" vert="horz" wrap="square" lIns="34925" tIns="34925" rIns="34925" bIns="34925" numCol="1" spcCol="1270" anchor="ctr" anchorCtr="0">
-          <a:noAutofit/>
-        </a:bodyPr>
-        <a:lstStyle/>
-        <a:p>
-          <a:pPr marL="0" lvl="0" indent="0" algn="ctr" defTabSz="2444750">
-            <a:lnSpc>
-              <a:spcPct val="90000"/>
-            </a:lnSpc>
-            <a:spcBef>
-              <a:spcPct val="0"/>
-            </a:spcBef>
-            <a:spcAft>
-              <a:spcPct val="35000"/>
-            </a:spcAft>
-            <a:buNone/>
-          </a:pPr>
-          <a:r>
-            <a:rPr lang="en-US" sz="5500" kern="1200" dirty="0"/>
-            <a:t>SVM</a:t>
-          </a:r>
-        </a:p>
-      </dsp:txBody>
-      <dsp:txXfrm>
-        <a:off x="1719402" y="2078120"/>
-        <a:ext cx="2926333" cy="1463166"/>
-      </dsp:txXfrm>
-    </dsp:sp>
-    <dsp:sp modelId="{B68F3179-7EA2-4303-826F-CEA11E7DEDF6}">
-      <dsp:nvSpPr>
-        <dsp:cNvPr id="0" name=""/>
-        <dsp:cNvSpPr/>
-      </dsp:nvSpPr>
-      <dsp:spPr>
-        <a:xfrm>
-          <a:off x="5260264" y="2078120"/>
-          <a:ext cx="2926333" cy="1463166"/>
-        </a:xfrm>
-        <a:prstGeom prst="rect">
-          <a:avLst/>
-        </a:prstGeom>
-        <a:solidFill>
-          <a:schemeClr val="accent1">
-            <a:hueOff val="0"/>
-            <a:satOff val="0"/>
-            <a:lumOff val="0"/>
-            <a:alphaOff val="0"/>
-          </a:schemeClr>
-        </a:solidFill>
-        <a:ln w="15875" cap="flat" cmpd="sng" algn="ctr">
-          <a:solidFill>
-            <a:schemeClr val="lt1">
-              <a:hueOff val="0"/>
-              <a:satOff val="0"/>
-              <a:lumOff val="0"/>
-              <a:alphaOff val="0"/>
-            </a:schemeClr>
-          </a:solidFill>
-          <a:prstDash val="solid"/>
-        </a:ln>
-        <a:effectLst/>
-      </dsp:spPr>
-      <dsp:style>
-        <a:lnRef idx="2">
-          <a:scrgbClr r="0" g="0" b="0"/>
-        </a:lnRef>
-        <a:fillRef idx="1">
-          <a:scrgbClr r="0" g="0" b="0"/>
-        </a:fillRef>
-        <a:effectRef idx="0">
-          <a:scrgbClr r="0" g="0" b="0"/>
-        </a:effectRef>
-        <a:fontRef idx="minor">
-          <a:schemeClr val="lt1"/>
-        </a:fontRef>
-      </dsp:style>
-      <dsp:txBody>
-        <a:bodyPr spcFirstLastPara="0" vert="horz" wrap="square" lIns="34925" tIns="34925" rIns="34925" bIns="34925" numCol="1" spcCol="1270" anchor="ctr" anchorCtr="0">
-          <a:noAutofit/>
-        </a:bodyPr>
-        <a:lstStyle/>
-        <a:p>
-          <a:pPr marL="0" lvl="0" indent="0" algn="ctr" defTabSz="2444750">
-            <a:lnSpc>
-              <a:spcPct val="90000"/>
-            </a:lnSpc>
-            <a:spcBef>
-              <a:spcPct val="0"/>
-            </a:spcBef>
-            <a:spcAft>
-              <a:spcPct val="35000"/>
-            </a:spcAft>
-            <a:buNone/>
-          </a:pPr>
-          <a:r>
-            <a:rPr lang="en-US" sz="5500" kern="1200" dirty="0"/>
-            <a:t>Random Forest</a:t>
-          </a:r>
-        </a:p>
-      </dsp:txBody>
-      <dsp:txXfrm>
-        <a:off x="5260264" y="2078120"/>
-        <a:ext cx="2926333" cy="1463166"/>
-      </dsp:txXfrm>
-    </dsp:sp>
   </dsp:spTree>
 </dsp:drawing>
 </file>
@@ -14637,7 +14519,7 @@
           <a:p>
             <a:fld id="{4C3011D2-FBF8-4FF0-962E-09EF7B93005E}" type="datetimeFigureOut">
               <a:rPr lang="en-US" smtClean="0"/>
-              <a:t>9/24/2018</a:t>
+              <a:t>10/1/2018</a:t>
             </a:fld>
             <a:endParaRPr lang="en-US"/>
           </a:p>
@@ -15045,7 +14927,7 @@
           <a:noFill/>
           <a:extLst>
             <a:ext uri="{909E8E84-426E-40dd-AFC4-6F175D3DCCD1}">
-              <a14:hiddenFill xmlns="" xmlns:a14="http://schemas.microsoft.com/office/drawing/2010/main">
+              <a14:hiddenFill xmlns:a14="http://schemas.microsoft.com/office/drawing/2010/main" xmlns="">
                 <a:solidFill>
                   <a:srgbClr val="FFFFFF"/>
                 </a:solidFill>
@@ -15104,7 +14986,7 @@
             </a:ln>
             <a:extLst>
               <a:ext uri="{91240B29-F687-4f45-9708-019B960494DF}">
-                <a14:hiddenLine xmlns="" xmlns:a14="http://schemas.microsoft.com/office/drawing/2010/main" w="9525">
+                <a14:hiddenLine xmlns:a14="http://schemas.microsoft.com/office/drawing/2010/main" xmlns="" w="9525">
                   <a:solidFill>
                     <a:srgbClr val="000000"/>
                   </a:solidFill>
@@ -15194,7 +15076,7 @@
             </a:ln>
             <a:extLst>
               <a:ext uri="{91240B29-F687-4f45-9708-019B960494DF}">
-                <a14:hiddenLine xmlns="" xmlns:a14="http://schemas.microsoft.com/office/drawing/2010/main" w="9525">
+                <a14:hiddenLine xmlns:a14="http://schemas.microsoft.com/office/drawing/2010/main" xmlns="" w="9525">
                   <a:solidFill>
                     <a:srgbClr val="000000"/>
                   </a:solidFill>
@@ -15284,7 +15166,7 @@
             </a:ln>
             <a:extLst>
               <a:ext uri="{91240B29-F687-4f45-9708-019B960494DF}">
-                <a14:hiddenLine xmlns="" xmlns:a14="http://schemas.microsoft.com/office/drawing/2010/main" w="9525">
+                <a14:hiddenLine xmlns:a14="http://schemas.microsoft.com/office/drawing/2010/main" xmlns="" w="9525">
                   <a:solidFill>
                     <a:srgbClr val="000000"/>
                   </a:solidFill>
@@ -15318,7 +15200,7 @@
             </a:ln>
             <a:extLst>
               <a:ext uri="{91240B29-F687-4f45-9708-019B960494DF}">
-                <a14:hiddenLine xmlns="" xmlns:a14="http://schemas.microsoft.com/office/drawing/2010/main" w="9525">
+                <a14:hiddenLine xmlns:a14="http://schemas.microsoft.com/office/drawing/2010/main" xmlns="" w="9525">
                   <a:solidFill>
                     <a:srgbClr val="000000"/>
                   </a:solidFill>
@@ -15408,7 +15290,7 @@
             </a:ln>
             <a:extLst>
               <a:ext uri="{91240B29-F687-4f45-9708-019B960494DF}">
-                <a14:hiddenLine xmlns="" xmlns:a14="http://schemas.microsoft.com/office/drawing/2010/main" w="9525">
+                <a14:hiddenLine xmlns:a14="http://schemas.microsoft.com/office/drawing/2010/main" xmlns="" w="9525">
                   <a:solidFill>
                     <a:srgbClr val="000000"/>
                   </a:solidFill>
@@ -15470,7 +15352,7 @@
             </a:ln>
             <a:extLst>
               <a:ext uri="{91240B29-F687-4f45-9708-019B960494DF}">
-                <a14:hiddenLine xmlns="" xmlns:a14="http://schemas.microsoft.com/office/drawing/2010/main" w="9525">
+                <a14:hiddenLine xmlns:a14="http://schemas.microsoft.com/office/drawing/2010/main" xmlns="" w="9525">
                   <a:solidFill>
                     <a:srgbClr val="000000"/>
                   </a:solidFill>
@@ -15532,7 +15414,7 @@
             </a:ln>
             <a:extLst>
               <a:ext uri="{91240B29-F687-4f45-9708-019B960494DF}">
-                <a14:hiddenLine xmlns="" xmlns:a14="http://schemas.microsoft.com/office/drawing/2010/main" w="9525">
+                <a14:hiddenLine xmlns:a14="http://schemas.microsoft.com/office/drawing/2010/main" xmlns="" w="9525">
                   <a:solidFill>
                     <a:srgbClr val="000000"/>
                   </a:solidFill>
@@ -15622,7 +15504,7 @@
             </a:ln>
             <a:extLst>
               <a:ext uri="{91240B29-F687-4f45-9708-019B960494DF}">
-                <a14:hiddenLine xmlns="" xmlns:a14="http://schemas.microsoft.com/office/drawing/2010/main" w="9525">
+                <a14:hiddenLine xmlns:a14="http://schemas.microsoft.com/office/drawing/2010/main" xmlns="" w="9525">
                   <a:solidFill>
                     <a:srgbClr val="000000"/>
                   </a:solidFill>
@@ -15684,7 +15566,7 @@
             </a:ln>
             <a:extLst>
               <a:ext uri="{91240B29-F687-4f45-9708-019B960494DF}">
-                <a14:hiddenLine xmlns="" xmlns:a14="http://schemas.microsoft.com/office/drawing/2010/main" w="9525">
+                <a14:hiddenLine xmlns:a14="http://schemas.microsoft.com/office/drawing/2010/main" xmlns="" w="9525">
                   <a:solidFill>
                     <a:srgbClr val="000000"/>
                   </a:solidFill>
@@ -15746,7 +15628,7 @@
             </a:ln>
             <a:extLst>
               <a:ext uri="{91240B29-F687-4f45-9708-019B960494DF}">
-                <a14:hiddenLine xmlns="" xmlns:a14="http://schemas.microsoft.com/office/drawing/2010/main" w="9525">
+                <a14:hiddenLine xmlns:a14="http://schemas.microsoft.com/office/drawing/2010/main" xmlns="" w="9525">
                   <a:solidFill>
                     <a:srgbClr val="000000"/>
                   </a:solidFill>
@@ -15836,7 +15718,7 @@
             </a:ln>
             <a:extLst>
               <a:ext uri="{91240B29-F687-4f45-9708-019B960494DF}">
-                <a14:hiddenLine xmlns="" xmlns:a14="http://schemas.microsoft.com/office/drawing/2010/main" w="9525">
+                <a14:hiddenLine xmlns:a14="http://schemas.microsoft.com/office/drawing/2010/main" xmlns="" w="9525">
                   <a:solidFill>
                     <a:srgbClr val="000000"/>
                   </a:solidFill>
@@ -15926,7 +15808,7 @@
             </a:ln>
             <a:extLst>
               <a:ext uri="{91240B29-F687-4f45-9708-019B960494DF}">
-                <a14:hiddenLine xmlns="" xmlns:a14="http://schemas.microsoft.com/office/drawing/2010/main" w="9525">
+                <a14:hiddenLine xmlns:a14="http://schemas.microsoft.com/office/drawing/2010/main" xmlns="" w="9525">
                   <a:solidFill>
                     <a:srgbClr val="000000"/>
                   </a:solidFill>
@@ -15988,7 +15870,7 @@
             </a:ln>
             <a:extLst>
               <a:ext uri="{91240B29-F687-4f45-9708-019B960494DF}">
-                <a14:hiddenLine xmlns="" xmlns:a14="http://schemas.microsoft.com/office/drawing/2010/main" w="9525">
+                <a14:hiddenLine xmlns:a14="http://schemas.microsoft.com/office/drawing/2010/main" xmlns="" w="9525">
                   <a:solidFill>
                     <a:srgbClr val="000000"/>
                   </a:solidFill>
@@ -16098,7 +15980,7 @@
             </a:ln>
             <a:extLst>
               <a:ext uri="{91240B29-F687-4f45-9708-019B960494DF}">
-                <a14:hiddenLine xmlns="" xmlns:a14="http://schemas.microsoft.com/office/drawing/2010/main" w="9525">
+                <a14:hiddenLine xmlns:a14="http://schemas.microsoft.com/office/drawing/2010/main" xmlns="" w="9525">
                   <a:solidFill>
                     <a:srgbClr val="000000"/>
                   </a:solidFill>
@@ -16160,7 +16042,7 @@
             </a:ln>
             <a:extLst>
               <a:ext uri="{91240B29-F687-4f45-9708-019B960494DF}">
-                <a14:hiddenLine xmlns="" xmlns:a14="http://schemas.microsoft.com/office/drawing/2010/main" w="9525">
+                <a14:hiddenLine xmlns:a14="http://schemas.microsoft.com/office/drawing/2010/main" xmlns="" w="9525">
                   <a:solidFill>
                     <a:srgbClr val="000000"/>
                   </a:solidFill>
@@ -16250,7 +16132,7 @@
             </a:ln>
             <a:extLst>
               <a:ext uri="{91240B29-F687-4f45-9708-019B960494DF}">
-                <a14:hiddenLine xmlns="" xmlns:a14="http://schemas.microsoft.com/office/drawing/2010/main" w="9525">
+                <a14:hiddenLine xmlns:a14="http://schemas.microsoft.com/office/drawing/2010/main" xmlns="" w="9525">
                   <a:solidFill>
                     <a:srgbClr val="000000"/>
                   </a:solidFill>
@@ -16340,7 +16222,7 @@
             </a:ln>
             <a:extLst>
               <a:ext uri="{91240B29-F687-4f45-9708-019B960494DF}">
-                <a14:hiddenLine xmlns="" xmlns:a14="http://schemas.microsoft.com/office/drawing/2010/main" w="9525">
+                <a14:hiddenLine xmlns:a14="http://schemas.microsoft.com/office/drawing/2010/main" xmlns="" w="9525">
                   <a:solidFill>
                     <a:srgbClr val="000000"/>
                   </a:solidFill>
@@ -16402,7 +16284,7 @@
             </a:ln>
             <a:extLst>
               <a:ext uri="{91240B29-F687-4f45-9708-019B960494DF}">
-                <a14:hiddenLine xmlns="" xmlns:a14="http://schemas.microsoft.com/office/drawing/2010/main" w="9525">
+                <a14:hiddenLine xmlns:a14="http://schemas.microsoft.com/office/drawing/2010/main" xmlns="" w="9525">
                   <a:solidFill>
                     <a:srgbClr val="000000"/>
                   </a:solidFill>
@@ -16492,7 +16374,7 @@
             </a:ln>
             <a:extLst>
               <a:ext uri="{91240B29-F687-4f45-9708-019B960494DF}">
-                <a14:hiddenLine xmlns="" xmlns:a14="http://schemas.microsoft.com/office/drawing/2010/main" w="9525">
+                <a14:hiddenLine xmlns:a14="http://schemas.microsoft.com/office/drawing/2010/main" xmlns="" w="9525">
                   <a:solidFill>
                     <a:srgbClr val="000000"/>
                   </a:solidFill>
@@ -16582,7 +16464,7 @@
             </a:ln>
             <a:extLst>
               <a:ext uri="{91240B29-F687-4f45-9708-019B960494DF}">
-                <a14:hiddenLine xmlns="" xmlns:a14="http://schemas.microsoft.com/office/drawing/2010/main" w="9525">
+                <a14:hiddenLine xmlns:a14="http://schemas.microsoft.com/office/drawing/2010/main" xmlns="" w="9525">
                   <a:solidFill>
                     <a:srgbClr val="000000"/>
                   </a:solidFill>
@@ -16638,7 +16520,7 @@
             </a:ln>
             <a:extLst>
               <a:ext uri="{91240B29-F687-4f45-9708-019B960494DF}">
-                <a14:hiddenLine xmlns="" xmlns:a14="http://schemas.microsoft.com/office/drawing/2010/main" w="9525">
+                <a14:hiddenLine xmlns:a14="http://schemas.microsoft.com/office/drawing/2010/main" xmlns="" w="9525">
                   <a:solidFill>
                     <a:srgbClr val="000000"/>
                   </a:solidFill>
@@ -16728,7 +16610,7 @@
             </a:ln>
             <a:extLst>
               <a:ext uri="{91240B29-F687-4f45-9708-019B960494DF}">
-                <a14:hiddenLine xmlns="" xmlns:a14="http://schemas.microsoft.com/office/drawing/2010/main" w="9525">
+                <a14:hiddenLine xmlns:a14="http://schemas.microsoft.com/office/drawing/2010/main" xmlns="" w="9525">
                   <a:solidFill>
                     <a:srgbClr val="000000"/>
                   </a:solidFill>
@@ -16784,7 +16666,7 @@
             </a:ln>
             <a:extLst>
               <a:ext uri="{91240B29-F687-4f45-9708-019B960494DF}">
-                <a14:hiddenLine xmlns="" xmlns:a14="http://schemas.microsoft.com/office/drawing/2010/main" w="9525">
+                <a14:hiddenLine xmlns:a14="http://schemas.microsoft.com/office/drawing/2010/main" xmlns="" w="9525">
                   <a:solidFill>
                     <a:srgbClr val="000000"/>
                   </a:solidFill>
@@ -16874,7 +16756,7 @@
             </a:ln>
             <a:extLst>
               <a:ext uri="{91240B29-F687-4f45-9708-019B960494DF}">
-                <a14:hiddenLine xmlns="" xmlns:a14="http://schemas.microsoft.com/office/drawing/2010/main" w="9525">
+                <a14:hiddenLine xmlns:a14="http://schemas.microsoft.com/office/drawing/2010/main" xmlns="" w="9525">
                   <a:solidFill>
                     <a:srgbClr val="000000"/>
                   </a:solidFill>
@@ -16942,7 +16824,7 @@
             </a:ln>
             <a:extLst>
               <a:ext uri="{91240B29-F687-4f45-9708-019B960494DF}">
-                <a14:hiddenLine xmlns="" xmlns:a14="http://schemas.microsoft.com/office/drawing/2010/main" w="9525">
+                <a14:hiddenLine xmlns:a14="http://schemas.microsoft.com/office/drawing/2010/main" xmlns="" w="9525">
                   <a:solidFill>
                     <a:srgbClr val="000000"/>
                   </a:solidFill>
@@ -17032,7 +16914,7 @@
             </a:ln>
             <a:extLst>
               <a:ext uri="{91240B29-F687-4f45-9708-019B960494DF}">
-                <a14:hiddenLine xmlns="" xmlns:a14="http://schemas.microsoft.com/office/drawing/2010/main" w="9525">
+                <a14:hiddenLine xmlns:a14="http://schemas.microsoft.com/office/drawing/2010/main" xmlns="" w="9525">
                   <a:solidFill>
                     <a:srgbClr val="000000"/>
                   </a:solidFill>
@@ -17100,7 +16982,7 @@
             </a:ln>
             <a:extLst>
               <a:ext uri="{91240B29-F687-4f45-9708-019B960494DF}">
-                <a14:hiddenLine xmlns="" xmlns:a14="http://schemas.microsoft.com/office/drawing/2010/main" w="9525">
+                <a14:hiddenLine xmlns:a14="http://schemas.microsoft.com/office/drawing/2010/main" xmlns="" w="9525">
                   <a:solidFill>
                     <a:srgbClr val="000000"/>
                   </a:solidFill>
@@ -17190,7 +17072,7 @@
             </a:ln>
             <a:extLst>
               <a:ext uri="{91240B29-F687-4f45-9708-019B960494DF}">
-                <a14:hiddenLine xmlns="" xmlns:a14="http://schemas.microsoft.com/office/drawing/2010/main" w="9525">
+                <a14:hiddenLine xmlns:a14="http://schemas.microsoft.com/office/drawing/2010/main" xmlns="" w="9525">
                   <a:solidFill>
                     <a:srgbClr val="000000"/>
                   </a:solidFill>
@@ -17224,7 +17106,7 @@
             </a:ln>
             <a:extLst>
               <a:ext uri="{91240B29-F687-4f45-9708-019B960494DF}">
-                <a14:hiddenLine xmlns="" xmlns:a14="http://schemas.microsoft.com/office/drawing/2010/main" w="9525">
+                <a14:hiddenLine xmlns:a14="http://schemas.microsoft.com/office/drawing/2010/main" xmlns="" w="9525">
                   <a:solidFill>
                     <a:srgbClr val="000000"/>
                   </a:solidFill>
@@ -17314,7 +17196,7 @@
             </a:ln>
             <a:extLst>
               <a:ext uri="{91240B29-F687-4f45-9708-019B960494DF}">
-                <a14:hiddenLine xmlns="" xmlns:a14="http://schemas.microsoft.com/office/drawing/2010/main" w="9525">
+                <a14:hiddenLine xmlns:a14="http://schemas.microsoft.com/office/drawing/2010/main" xmlns="" w="9525">
                   <a:solidFill>
                     <a:srgbClr val="000000"/>
                   </a:solidFill>
@@ -17376,7 +17258,7 @@
             </a:ln>
             <a:extLst>
               <a:ext uri="{91240B29-F687-4f45-9708-019B960494DF}">
-                <a14:hiddenLine xmlns="" xmlns:a14="http://schemas.microsoft.com/office/drawing/2010/main" w="9525">
+                <a14:hiddenLine xmlns:a14="http://schemas.microsoft.com/office/drawing/2010/main" xmlns="" w="9525">
                   <a:solidFill>
                     <a:srgbClr val="000000"/>
                   </a:solidFill>
@@ -17438,7 +17320,7 @@
             </a:ln>
             <a:extLst>
               <a:ext uri="{91240B29-F687-4f45-9708-019B960494DF}">
-                <a14:hiddenLine xmlns="" xmlns:a14="http://schemas.microsoft.com/office/drawing/2010/main" w="9525">
+                <a14:hiddenLine xmlns:a14="http://schemas.microsoft.com/office/drawing/2010/main" xmlns="" w="9525">
                   <a:solidFill>
                     <a:srgbClr val="000000"/>
                   </a:solidFill>
@@ -17528,7 +17410,7 @@
             </a:ln>
             <a:extLst>
               <a:ext uri="{91240B29-F687-4f45-9708-019B960494DF}">
-                <a14:hiddenLine xmlns="" xmlns:a14="http://schemas.microsoft.com/office/drawing/2010/main" w="9525">
+                <a14:hiddenLine xmlns:a14="http://schemas.microsoft.com/office/drawing/2010/main" xmlns="" w="9525">
                   <a:solidFill>
                     <a:srgbClr val="000000"/>
                   </a:solidFill>
@@ -17596,7 +17478,7 @@
             </a:ln>
             <a:extLst>
               <a:ext uri="{91240B29-F687-4f45-9708-019B960494DF}">
-                <a14:hiddenLine xmlns="" xmlns:a14="http://schemas.microsoft.com/office/drawing/2010/main" w="9525">
+                <a14:hiddenLine xmlns:a14="http://schemas.microsoft.com/office/drawing/2010/main" xmlns="" w="9525">
                   <a:solidFill>
                     <a:srgbClr val="000000"/>
                   </a:solidFill>
@@ -17658,7 +17540,7 @@
             </a:ln>
             <a:extLst>
               <a:ext uri="{91240B29-F687-4f45-9708-019B960494DF}">
-                <a14:hiddenLine xmlns="" xmlns:a14="http://schemas.microsoft.com/office/drawing/2010/main" w="9525">
+                <a14:hiddenLine xmlns:a14="http://schemas.microsoft.com/office/drawing/2010/main" xmlns="" w="9525">
                   <a:solidFill>
                     <a:srgbClr val="000000"/>
                   </a:solidFill>
@@ -17748,7 +17630,7 @@
             </a:ln>
             <a:extLst>
               <a:ext uri="{91240B29-F687-4f45-9708-019B960494DF}">
-                <a14:hiddenLine xmlns="" xmlns:a14="http://schemas.microsoft.com/office/drawing/2010/main" w="9525">
+                <a14:hiddenLine xmlns:a14="http://schemas.microsoft.com/office/drawing/2010/main" xmlns="" w="9525">
                   <a:solidFill>
                     <a:srgbClr val="000000"/>
                   </a:solidFill>
@@ -17810,7 +17692,7 @@
             </a:ln>
             <a:extLst>
               <a:ext uri="{91240B29-F687-4f45-9708-019B960494DF}">
-                <a14:hiddenLine xmlns="" xmlns:a14="http://schemas.microsoft.com/office/drawing/2010/main" w="9525">
+                <a14:hiddenLine xmlns:a14="http://schemas.microsoft.com/office/drawing/2010/main" xmlns="" w="9525">
                   <a:solidFill>
                     <a:srgbClr val="000000"/>
                   </a:solidFill>
@@ -17900,7 +17782,7 @@
             </a:ln>
             <a:extLst>
               <a:ext uri="{91240B29-F687-4f45-9708-019B960494DF}">
-                <a14:hiddenLine xmlns="" xmlns:a14="http://schemas.microsoft.com/office/drawing/2010/main" w="9525">
+                <a14:hiddenLine xmlns:a14="http://schemas.microsoft.com/office/drawing/2010/main" xmlns="" w="9525">
                   <a:solidFill>
                     <a:srgbClr val="000000"/>
                   </a:solidFill>
@@ -17962,7 +17844,7 @@
             </a:ln>
             <a:extLst>
               <a:ext uri="{91240B29-F687-4f45-9708-019B960494DF}">
-                <a14:hiddenLine xmlns="" xmlns:a14="http://schemas.microsoft.com/office/drawing/2010/main" w="9525">
+                <a14:hiddenLine xmlns:a14="http://schemas.microsoft.com/office/drawing/2010/main" xmlns="" w="9525">
                   <a:solidFill>
                     <a:srgbClr val="000000"/>
                   </a:solidFill>
@@ -18052,7 +17934,7 @@
             </a:ln>
             <a:extLst>
               <a:ext uri="{91240B29-F687-4f45-9708-019B960494DF}">
-                <a14:hiddenLine xmlns="" xmlns:a14="http://schemas.microsoft.com/office/drawing/2010/main" w="9525">
+                <a14:hiddenLine xmlns:a14="http://schemas.microsoft.com/office/drawing/2010/main" xmlns="" w="9525">
                   <a:solidFill>
                     <a:srgbClr val="000000"/>
                   </a:solidFill>
@@ -18086,7 +17968,7 @@
             </a:ln>
             <a:extLst>
               <a:ext uri="{91240B29-F687-4f45-9708-019B960494DF}">
-                <a14:hiddenLine xmlns="" xmlns:a14="http://schemas.microsoft.com/office/drawing/2010/main" w="9525">
+                <a14:hiddenLine xmlns:a14="http://schemas.microsoft.com/office/drawing/2010/main" xmlns="" w="9525">
                   <a:solidFill>
                     <a:srgbClr val="000000"/>
                   </a:solidFill>
@@ -18151,7 +18033,7 @@
             </a:ln>
             <a:extLst>
               <a:ext uri="{91240B29-F687-4f45-9708-019B960494DF}">
-                <a14:hiddenLine xmlns="" xmlns:a14="http://schemas.microsoft.com/office/drawing/2010/main" w="9525">
+                <a14:hiddenLine xmlns:a14="http://schemas.microsoft.com/office/drawing/2010/main" xmlns="" w="9525">
                   <a:solidFill>
                     <a:srgbClr val="000000"/>
                   </a:solidFill>
@@ -18241,7 +18123,7 @@
             </a:ln>
             <a:extLst>
               <a:ext uri="{91240B29-F687-4f45-9708-019B960494DF}">
-                <a14:hiddenLine xmlns="" xmlns:a14="http://schemas.microsoft.com/office/drawing/2010/main" w="9525">
+                <a14:hiddenLine xmlns:a14="http://schemas.microsoft.com/office/drawing/2010/main" xmlns="" w="9525">
                   <a:solidFill>
                     <a:srgbClr val="000000"/>
                   </a:solidFill>
@@ -18303,7 +18185,7 @@
             </a:ln>
             <a:extLst>
               <a:ext uri="{91240B29-F687-4f45-9708-019B960494DF}">
-                <a14:hiddenLine xmlns="" xmlns:a14="http://schemas.microsoft.com/office/drawing/2010/main" w="9525">
+                <a14:hiddenLine xmlns:a14="http://schemas.microsoft.com/office/drawing/2010/main" xmlns="" w="9525">
                   <a:solidFill>
                     <a:srgbClr val="000000"/>
                   </a:solidFill>
@@ -18393,7 +18275,7 @@
             </a:ln>
             <a:extLst>
               <a:ext uri="{91240B29-F687-4f45-9708-019B960494DF}">
-                <a14:hiddenLine xmlns="" xmlns:a14="http://schemas.microsoft.com/office/drawing/2010/main" w="9525">
+                <a14:hiddenLine xmlns:a14="http://schemas.microsoft.com/office/drawing/2010/main" xmlns="" w="9525">
                   <a:solidFill>
                     <a:srgbClr val="000000"/>
                   </a:solidFill>
@@ -18483,7 +18365,7 @@
             </a:ln>
             <a:extLst>
               <a:ext uri="{91240B29-F687-4f45-9708-019B960494DF}">
-                <a14:hiddenLine xmlns="" xmlns:a14="http://schemas.microsoft.com/office/drawing/2010/main" w="9525">
+                <a14:hiddenLine xmlns:a14="http://schemas.microsoft.com/office/drawing/2010/main" xmlns="" w="9525">
                   <a:solidFill>
                     <a:srgbClr val="000000"/>
                   </a:solidFill>
@@ -18548,7 +18430,7 @@
             </a:ln>
             <a:extLst>
               <a:ext uri="{91240B29-F687-4f45-9708-019B960494DF}">
-                <a14:hiddenLine xmlns="" xmlns:a14="http://schemas.microsoft.com/office/drawing/2010/main" w="9525">
+                <a14:hiddenLine xmlns:a14="http://schemas.microsoft.com/office/drawing/2010/main" xmlns="" w="9525">
                   <a:solidFill>
                     <a:srgbClr val="000000"/>
                   </a:solidFill>
@@ -18610,7 +18492,7 @@
             </a:ln>
             <a:extLst>
               <a:ext uri="{91240B29-F687-4f45-9708-019B960494DF}">
-                <a14:hiddenLine xmlns="" xmlns:a14="http://schemas.microsoft.com/office/drawing/2010/main" w="9525">
+                <a14:hiddenLine xmlns:a14="http://schemas.microsoft.com/office/drawing/2010/main" xmlns="" w="9525">
                   <a:solidFill>
                     <a:srgbClr val="000000"/>
                   </a:solidFill>
@@ -18700,7 +18582,7 @@
             </a:ln>
             <a:extLst>
               <a:ext uri="{91240B29-F687-4f45-9708-019B960494DF}">
-                <a14:hiddenLine xmlns="" xmlns:a14="http://schemas.microsoft.com/office/drawing/2010/main" w="9525">
+                <a14:hiddenLine xmlns:a14="http://schemas.microsoft.com/office/drawing/2010/main" xmlns="" w="9525">
                   <a:solidFill>
                     <a:srgbClr val="000000"/>
                   </a:solidFill>
@@ -18790,7 +18672,7 @@
             </a:ln>
             <a:extLst>
               <a:ext uri="{91240B29-F687-4f45-9708-019B960494DF}">
-                <a14:hiddenLine xmlns="" xmlns:a14="http://schemas.microsoft.com/office/drawing/2010/main" w="9525">
+                <a14:hiddenLine xmlns:a14="http://schemas.microsoft.com/office/drawing/2010/main" xmlns="" w="9525">
                   <a:solidFill>
                     <a:srgbClr val="000000"/>
                   </a:solidFill>
@@ -18852,7 +18734,7 @@
             </a:ln>
             <a:extLst>
               <a:ext uri="{91240B29-F687-4f45-9708-019B960494DF}">
-                <a14:hiddenLine xmlns="" xmlns:a14="http://schemas.microsoft.com/office/drawing/2010/main" w="9525">
+                <a14:hiddenLine xmlns:a14="http://schemas.microsoft.com/office/drawing/2010/main" xmlns="" w="9525">
                   <a:solidFill>
                     <a:srgbClr val="000000"/>
                   </a:solidFill>
@@ -18972,7 +18854,7 @@
             </a:ln>
             <a:extLst>
               <a:ext uri="{91240B29-F687-4f45-9708-019B960494DF}">
-                <a14:hiddenLine xmlns="" xmlns:a14="http://schemas.microsoft.com/office/drawing/2010/main" w="9525">
+                <a14:hiddenLine xmlns:a14="http://schemas.microsoft.com/office/drawing/2010/main" xmlns="" w="9525">
                   <a:solidFill>
                     <a:srgbClr val="000000"/>
                   </a:solidFill>
@@ -19040,7 +18922,7 @@
             </a:ln>
             <a:extLst>
               <a:ext uri="{91240B29-F687-4f45-9708-019B960494DF}">
-                <a14:hiddenLine xmlns="" xmlns:a14="http://schemas.microsoft.com/office/drawing/2010/main" w="9525">
+                <a14:hiddenLine xmlns:a14="http://schemas.microsoft.com/office/drawing/2010/main" xmlns="" w="9525">
                   <a:solidFill>
                     <a:srgbClr val="000000"/>
                   </a:solidFill>
@@ -19130,7 +19012,7 @@
             </a:ln>
             <a:extLst>
               <a:ext uri="{91240B29-F687-4f45-9708-019B960494DF}">
-                <a14:hiddenLine xmlns="" xmlns:a14="http://schemas.microsoft.com/office/drawing/2010/main" w="9525">
+                <a14:hiddenLine xmlns:a14="http://schemas.microsoft.com/office/drawing/2010/main" xmlns="" w="9525">
                   <a:solidFill>
                     <a:srgbClr val="000000"/>
                   </a:solidFill>
@@ -19270,7 +19152,7 @@
           <a:p>
             <a:fld id="{48A87A34-81AB-432B-8DAE-1953F412C126}" type="datetimeFigureOut">
               <a:rPr lang="en-US" smtClean="0"/>
-              <a:t>9/24/2018</a:t>
+              <a:t>10/1/2018</a:t>
             </a:fld>
             <a:endParaRPr lang="en-US" dirty="0"/>
           </a:p>
@@ -19537,7 +19419,7 @@
           <a:p>
             <a:fld id="{48A87A34-81AB-432B-8DAE-1953F412C126}" type="datetimeFigureOut">
               <a:rPr lang="en-US" smtClean="0"/>
-              <a:t>9/24/2018</a:t>
+              <a:t>10/1/2018</a:t>
             </a:fld>
             <a:endParaRPr lang="en-US" dirty="0"/>
           </a:p>
@@ -19733,7 +19615,7 @@
           <a:p>
             <a:fld id="{48A87A34-81AB-432B-8DAE-1953F412C126}" type="datetimeFigureOut">
               <a:rPr lang="en-US" smtClean="0"/>
-              <a:t>9/24/2018</a:t>
+              <a:t>10/1/2018</a:t>
             </a:fld>
             <a:endParaRPr lang="en-US" dirty="0"/>
           </a:p>
@@ -19996,7 +19878,7 @@
           <a:p>
             <a:fld id="{48A87A34-81AB-432B-8DAE-1953F412C126}" type="datetimeFigureOut">
               <a:rPr lang="en-US" smtClean="0"/>
-              <a:t>9/24/2018</a:t>
+              <a:t>10/1/2018</a:t>
             </a:fld>
             <a:endParaRPr lang="en-US" dirty="0"/>
           </a:p>
@@ -20430,7 +20312,7 @@
           <a:p>
             <a:fld id="{48A87A34-81AB-432B-8DAE-1953F412C126}" type="datetimeFigureOut">
               <a:rPr lang="en-US" smtClean="0"/>
-              <a:t>9/24/2018</a:t>
+              <a:t>10/1/2018</a:t>
             </a:fld>
             <a:endParaRPr lang="en-US" dirty="0"/>
           </a:p>
@@ -20976,7 +20858,7 @@
           <a:p>
             <a:fld id="{48A87A34-81AB-432B-8DAE-1953F412C126}" type="datetimeFigureOut">
               <a:rPr lang="en-US" smtClean="0"/>
-              <a:t>9/24/2018</a:t>
+              <a:t>10/1/2018</a:t>
             </a:fld>
             <a:endParaRPr lang="en-US" dirty="0"/>
           </a:p>
@@ -21696,7 +21578,7 @@
           <a:p>
             <a:fld id="{48A87A34-81AB-432B-8DAE-1953F412C126}" type="datetimeFigureOut">
               <a:rPr lang="en-US" smtClean="0"/>
-              <a:t>9/24/2018</a:t>
+              <a:t>10/1/2018</a:t>
             </a:fld>
             <a:endParaRPr lang="en-US" dirty="0"/>
           </a:p>
@@ -21866,7 +21748,7 @@
           <a:p>
             <a:fld id="{48A87A34-81AB-432B-8DAE-1953F412C126}" type="datetimeFigureOut">
               <a:rPr lang="en-US" smtClean="0"/>
-              <a:t>9/24/2018</a:t>
+              <a:t>10/1/2018</a:t>
             </a:fld>
             <a:endParaRPr lang="en-US" dirty="0"/>
           </a:p>
@@ -22046,7 +21928,7 @@
           <a:p>
             <a:fld id="{48A87A34-81AB-432B-8DAE-1953F412C126}" type="datetimeFigureOut">
               <a:rPr lang="en-US" smtClean="0"/>
-              <a:t>9/24/2018</a:t>
+              <a:t>10/1/2018</a:t>
             </a:fld>
             <a:endParaRPr lang="en-US" dirty="0"/>
           </a:p>
@@ -22216,7 +22098,7 @@
           <a:p>
             <a:fld id="{48A87A34-81AB-432B-8DAE-1953F412C126}" type="datetimeFigureOut">
               <a:rPr lang="en-US" smtClean="0"/>
-              <a:t>9/24/2018</a:t>
+              <a:t>10/1/2018</a:t>
             </a:fld>
             <a:endParaRPr lang="en-US" dirty="0"/>
           </a:p>
@@ -22466,7 +22348,7 @@
           <a:p>
             <a:fld id="{48A87A34-81AB-432B-8DAE-1953F412C126}" type="datetimeFigureOut">
               <a:rPr lang="en-US" smtClean="0"/>
-              <a:t>9/24/2018</a:t>
+              <a:t>10/1/2018</a:t>
             </a:fld>
             <a:endParaRPr lang="en-US" dirty="0"/>
           </a:p>
@@ -22698,7 +22580,7 @@
           <a:p>
             <a:fld id="{48A87A34-81AB-432B-8DAE-1953F412C126}" type="datetimeFigureOut">
               <a:rPr lang="en-US" smtClean="0"/>
-              <a:t>9/24/2018</a:t>
+              <a:t>10/1/2018</a:t>
             </a:fld>
             <a:endParaRPr lang="en-US" dirty="0"/>
           </a:p>
@@ -23079,7 +22961,7 @@
           <a:p>
             <a:fld id="{48A87A34-81AB-432B-8DAE-1953F412C126}" type="datetimeFigureOut">
               <a:rPr lang="en-US" smtClean="0"/>
-              <a:t>9/24/2018</a:t>
+              <a:t>10/1/2018</a:t>
             </a:fld>
             <a:endParaRPr lang="en-US" dirty="0"/>
           </a:p>
@@ -23197,7 +23079,7 @@
           <a:p>
             <a:fld id="{48A87A34-81AB-432B-8DAE-1953F412C126}" type="datetimeFigureOut">
               <a:rPr lang="en-US" smtClean="0"/>
-              <a:t>9/24/2018</a:t>
+              <a:t>10/1/2018</a:t>
             </a:fld>
             <a:endParaRPr lang="en-US" dirty="0"/>
           </a:p>
@@ -23292,7 +23174,7 @@
           <a:p>
             <a:fld id="{48A87A34-81AB-432B-8DAE-1953F412C126}" type="datetimeFigureOut">
               <a:rPr lang="en-US" smtClean="0"/>
-              <a:t>9/24/2018</a:t>
+              <a:t>10/1/2018</a:t>
             </a:fld>
             <a:endParaRPr lang="en-US" dirty="0"/>
           </a:p>
@@ -23541,7 +23423,7 @@
           <a:p>
             <a:fld id="{48A87A34-81AB-432B-8DAE-1953F412C126}" type="datetimeFigureOut">
               <a:rPr lang="en-US" smtClean="0"/>
-              <a:t>9/24/2018</a:t>
+              <a:t>10/1/2018</a:t>
             </a:fld>
             <a:endParaRPr lang="en-US" dirty="0"/>
           </a:p>
@@ -23821,7 +23703,7 @@
           <a:p>
             <a:fld id="{48A87A34-81AB-432B-8DAE-1953F412C126}" type="datetimeFigureOut">
               <a:rPr lang="en-US" smtClean="0"/>
-              <a:t>9/24/2018</a:t>
+              <a:t>10/1/2018</a:t>
             </a:fld>
             <a:endParaRPr lang="en-US" dirty="0"/>
           </a:p>
@@ -23944,7 +23826,7 @@
           <a:noFill/>
           <a:extLst>
             <a:ext uri="{909E8E84-426E-40dd-AFC4-6F175D3DCCD1}">
-              <a14:hiddenFill xmlns="" xmlns:a14="http://schemas.microsoft.com/office/drawing/2010/main">
+              <a14:hiddenFill xmlns:a14="http://schemas.microsoft.com/office/drawing/2010/main" xmlns="">
                 <a:solidFill>
                   <a:srgbClr val="FFFFFF"/>
                 </a:solidFill>
@@ -24018,7 +23900,7 @@
               </a:ln>
               <a:extLst>
                 <a:ext uri="{91240B29-F687-4f45-9708-019B960494DF}">
-                  <a14:hiddenLine xmlns="" xmlns:a14="http://schemas.microsoft.com/office/drawing/2010/main" w="9525">
+                  <a14:hiddenLine xmlns:a14="http://schemas.microsoft.com/office/drawing/2010/main" xmlns="" w="9525">
                     <a:solidFill>
                       <a:srgbClr val="000000"/>
                     </a:solidFill>
@@ -24108,7 +23990,7 @@
               </a:ln>
               <a:extLst>
                 <a:ext uri="{91240B29-F687-4f45-9708-019B960494DF}">
-                  <a14:hiddenLine xmlns="" xmlns:a14="http://schemas.microsoft.com/office/drawing/2010/main" w="9525">
+                  <a14:hiddenLine xmlns:a14="http://schemas.microsoft.com/office/drawing/2010/main" xmlns="" w="9525">
                     <a:solidFill>
                       <a:srgbClr val="000000"/>
                     </a:solidFill>
@@ -24198,7 +24080,7 @@
               </a:ln>
               <a:extLst>
                 <a:ext uri="{91240B29-F687-4f45-9708-019B960494DF}">
-                  <a14:hiddenLine xmlns="" xmlns:a14="http://schemas.microsoft.com/office/drawing/2010/main" w="9525">
+                  <a14:hiddenLine xmlns:a14="http://schemas.microsoft.com/office/drawing/2010/main" xmlns="" w="9525">
                     <a:solidFill>
                       <a:srgbClr val="000000"/>
                     </a:solidFill>
@@ -24260,7 +24142,7 @@
               </a:ln>
               <a:extLst>
                 <a:ext uri="{91240B29-F687-4f45-9708-019B960494DF}">
-                  <a14:hiddenLine xmlns="" xmlns:a14="http://schemas.microsoft.com/office/drawing/2010/main" w="9525">
+                  <a14:hiddenLine xmlns:a14="http://schemas.microsoft.com/office/drawing/2010/main" xmlns="" w="9525">
                     <a:solidFill>
                       <a:srgbClr val="000000"/>
                     </a:solidFill>
@@ -24350,7 +24232,7 @@
               </a:ln>
               <a:extLst>
                 <a:ext uri="{91240B29-F687-4f45-9708-019B960494DF}">
-                  <a14:hiddenLine xmlns="" xmlns:a14="http://schemas.microsoft.com/office/drawing/2010/main" w="9525">
+                  <a14:hiddenLine xmlns:a14="http://schemas.microsoft.com/office/drawing/2010/main" xmlns="" w="9525">
                     <a:solidFill>
                       <a:srgbClr val="000000"/>
                     </a:solidFill>
@@ -24412,7 +24294,7 @@
               </a:ln>
               <a:extLst>
                 <a:ext uri="{91240B29-F687-4f45-9708-019B960494DF}">
-                  <a14:hiddenLine xmlns="" xmlns:a14="http://schemas.microsoft.com/office/drawing/2010/main" w="9525">
+                  <a14:hiddenLine xmlns:a14="http://schemas.microsoft.com/office/drawing/2010/main" xmlns="" w="9525">
                     <a:solidFill>
                       <a:srgbClr val="000000"/>
                     </a:solidFill>
@@ -24474,7 +24356,7 @@
               </a:ln>
               <a:extLst>
                 <a:ext uri="{91240B29-F687-4f45-9708-019B960494DF}">
-                  <a14:hiddenLine xmlns="" xmlns:a14="http://schemas.microsoft.com/office/drawing/2010/main" w="9525">
+                  <a14:hiddenLine xmlns:a14="http://schemas.microsoft.com/office/drawing/2010/main" xmlns="" w="9525">
                     <a:solidFill>
                       <a:srgbClr val="000000"/>
                     </a:solidFill>
@@ -24564,7 +24446,7 @@
               </a:ln>
               <a:extLst>
                 <a:ext uri="{91240B29-F687-4f45-9708-019B960494DF}">
-                  <a14:hiddenLine xmlns="" xmlns:a14="http://schemas.microsoft.com/office/drawing/2010/main" w="9525">
+                  <a14:hiddenLine xmlns:a14="http://schemas.microsoft.com/office/drawing/2010/main" xmlns="" w="9525">
                     <a:solidFill>
                       <a:srgbClr val="000000"/>
                     </a:solidFill>
@@ -24654,7 +24536,7 @@
               </a:ln>
               <a:extLst>
                 <a:ext uri="{91240B29-F687-4f45-9708-019B960494DF}">
-                  <a14:hiddenLine xmlns="" xmlns:a14="http://schemas.microsoft.com/office/drawing/2010/main" w="9525">
+                  <a14:hiddenLine xmlns:a14="http://schemas.microsoft.com/office/drawing/2010/main" xmlns="" w="9525">
                     <a:solidFill>
                       <a:srgbClr val="000000"/>
                     </a:solidFill>
@@ -24716,7 +24598,7 @@
               </a:ln>
               <a:extLst>
                 <a:ext uri="{91240B29-F687-4f45-9708-019B960494DF}">
-                  <a14:hiddenLine xmlns="" xmlns:a14="http://schemas.microsoft.com/office/drawing/2010/main" w="9525">
+                  <a14:hiddenLine xmlns:a14="http://schemas.microsoft.com/office/drawing/2010/main" xmlns="" w="9525">
                     <a:solidFill>
                       <a:srgbClr val="000000"/>
                     </a:solidFill>
@@ -24826,7 +24708,7 @@
               </a:ln>
               <a:extLst>
                 <a:ext uri="{91240B29-F687-4f45-9708-019B960494DF}">
-                  <a14:hiddenLine xmlns="" xmlns:a14="http://schemas.microsoft.com/office/drawing/2010/main" w="9525">
+                  <a14:hiddenLine xmlns:a14="http://schemas.microsoft.com/office/drawing/2010/main" xmlns="" w="9525">
                     <a:solidFill>
                       <a:srgbClr val="000000"/>
                     </a:solidFill>
@@ -24910,7 +24792,7 @@
               </a:ln>
               <a:extLst>
                 <a:ext uri="{91240B29-F687-4f45-9708-019B960494DF}">
-                  <a14:hiddenLine xmlns="" xmlns:a14="http://schemas.microsoft.com/office/drawing/2010/main" w="9525">
+                  <a14:hiddenLine xmlns:a14="http://schemas.microsoft.com/office/drawing/2010/main" xmlns="" w="9525">
                     <a:solidFill>
                       <a:srgbClr val="000000"/>
                     </a:solidFill>
@@ -24972,7 +24854,7 @@
               </a:ln>
               <a:extLst>
                 <a:ext uri="{91240B29-F687-4f45-9708-019B960494DF}">
-                  <a14:hiddenLine xmlns="" xmlns:a14="http://schemas.microsoft.com/office/drawing/2010/main" w="9525">
+                  <a14:hiddenLine xmlns:a14="http://schemas.microsoft.com/office/drawing/2010/main" xmlns="" w="9525">
                     <a:solidFill>
                       <a:srgbClr val="000000"/>
                     </a:solidFill>
@@ -25034,7 +24916,7 @@
               </a:ln>
               <a:extLst>
                 <a:ext uri="{91240B29-F687-4f45-9708-019B960494DF}">
-                  <a14:hiddenLine xmlns="" xmlns:a14="http://schemas.microsoft.com/office/drawing/2010/main" w="9525">
+                  <a14:hiddenLine xmlns:a14="http://schemas.microsoft.com/office/drawing/2010/main" xmlns="" w="9525">
                     <a:solidFill>
                       <a:srgbClr val="000000"/>
                     </a:solidFill>
@@ -25124,7 +25006,7 @@
               </a:ln>
               <a:extLst>
                 <a:ext uri="{91240B29-F687-4f45-9708-019B960494DF}">
-                  <a14:hiddenLine xmlns="" xmlns:a14="http://schemas.microsoft.com/office/drawing/2010/main" w="9525">
+                  <a14:hiddenLine xmlns:a14="http://schemas.microsoft.com/office/drawing/2010/main" xmlns="" w="9525">
                     <a:solidFill>
                       <a:srgbClr val="000000"/>
                     </a:solidFill>
@@ -25158,7 +25040,7 @@
               </a:ln>
               <a:extLst>
                 <a:ext uri="{91240B29-F687-4f45-9708-019B960494DF}">
-                  <a14:hiddenLine xmlns="" xmlns:a14="http://schemas.microsoft.com/office/drawing/2010/main" w="9525">
+                  <a14:hiddenLine xmlns:a14="http://schemas.microsoft.com/office/drawing/2010/main" xmlns="" w="9525">
                     <a:solidFill>
                       <a:srgbClr val="000000"/>
                     </a:solidFill>
@@ -25223,7 +25105,7 @@
               </a:ln>
               <a:extLst>
                 <a:ext uri="{91240B29-F687-4f45-9708-019B960494DF}">
-                  <a14:hiddenLine xmlns="" xmlns:a14="http://schemas.microsoft.com/office/drawing/2010/main" w="9525">
+                  <a14:hiddenLine xmlns:a14="http://schemas.microsoft.com/office/drawing/2010/main" xmlns="" w="9525">
                     <a:solidFill>
                       <a:srgbClr val="000000"/>
                     </a:solidFill>
@@ -25313,7 +25195,7 @@
               </a:ln>
               <a:extLst>
                 <a:ext uri="{91240B29-F687-4f45-9708-019B960494DF}">
-                  <a14:hiddenLine xmlns="" xmlns:a14="http://schemas.microsoft.com/office/drawing/2010/main" w="9525">
+                  <a14:hiddenLine xmlns:a14="http://schemas.microsoft.com/office/drawing/2010/main" xmlns="" w="9525">
                     <a:solidFill>
                       <a:srgbClr val="000000"/>
                     </a:solidFill>
@@ -25375,7 +25257,7 @@
               </a:ln>
               <a:extLst>
                 <a:ext uri="{91240B29-F687-4f45-9708-019B960494DF}">
-                  <a14:hiddenLine xmlns="" xmlns:a14="http://schemas.microsoft.com/office/drawing/2010/main" w="9525">
+                  <a14:hiddenLine xmlns:a14="http://schemas.microsoft.com/office/drawing/2010/main" xmlns="" w="9525">
                     <a:solidFill>
                       <a:srgbClr val="000000"/>
                     </a:solidFill>
@@ -25465,7 +25347,7 @@
               </a:ln>
               <a:extLst>
                 <a:ext uri="{91240B29-F687-4f45-9708-019B960494DF}">
-                  <a14:hiddenLine xmlns="" xmlns:a14="http://schemas.microsoft.com/office/drawing/2010/main" w="9525">
+                  <a14:hiddenLine xmlns:a14="http://schemas.microsoft.com/office/drawing/2010/main" xmlns="" w="9525">
                     <a:solidFill>
                       <a:srgbClr val="000000"/>
                     </a:solidFill>
@@ -25530,7 +25412,7 @@
               </a:ln>
               <a:extLst>
                 <a:ext uri="{91240B29-F687-4f45-9708-019B960494DF}">
-                  <a14:hiddenLine xmlns="" xmlns:a14="http://schemas.microsoft.com/office/drawing/2010/main" w="9525">
+                  <a14:hiddenLine xmlns:a14="http://schemas.microsoft.com/office/drawing/2010/main" xmlns="" w="9525">
                     <a:solidFill>
                       <a:srgbClr val="000000"/>
                     </a:solidFill>
@@ -25592,7 +25474,7 @@
               </a:ln>
               <a:extLst>
                 <a:ext uri="{91240B29-F687-4f45-9708-019B960494DF}">
-                  <a14:hiddenLine xmlns="" xmlns:a14="http://schemas.microsoft.com/office/drawing/2010/main" w="9525">
+                  <a14:hiddenLine xmlns:a14="http://schemas.microsoft.com/office/drawing/2010/main" xmlns="" w="9525">
                     <a:solidFill>
                       <a:srgbClr val="000000"/>
                     </a:solidFill>
@@ -25682,7 +25564,7 @@
               </a:ln>
               <a:extLst>
                 <a:ext uri="{91240B29-F687-4f45-9708-019B960494DF}">
-                  <a14:hiddenLine xmlns="" xmlns:a14="http://schemas.microsoft.com/office/drawing/2010/main" w="9525">
+                  <a14:hiddenLine xmlns:a14="http://schemas.microsoft.com/office/drawing/2010/main" xmlns="" w="9525">
                     <a:solidFill>
                       <a:srgbClr val="000000"/>
                     </a:solidFill>
@@ -25772,7 +25654,7 @@
               </a:ln>
               <a:extLst>
                 <a:ext uri="{91240B29-F687-4f45-9708-019B960494DF}">
-                  <a14:hiddenLine xmlns="" xmlns:a14="http://schemas.microsoft.com/office/drawing/2010/main" w="9525">
+                  <a14:hiddenLine xmlns:a14="http://schemas.microsoft.com/office/drawing/2010/main" xmlns="" w="9525">
                     <a:solidFill>
                       <a:srgbClr val="000000"/>
                     </a:solidFill>
@@ -25837,7 +25719,7 @@
               </a:ln>
               <a:extLst>
                 <a:ext uri="{91240B29-F687-4f45-9708-019B960494DF}">
-                  <a14:hiddenLine xmlns="" xmlns:a14="http://schemas.microsoft.com/office/drawing/2010/main" w="9525">
+                  <a14:hiddenLine xmlns:a14="http://schemas.microsoft.com/office/drawing/2010/main" xmlns="" w="9525">
                     <a:solidFill>
                       <a:srgbClr val="000000"/>
                     </a:solidFill>
@@ -25957,7 +25839,7 @@
               </a:ln>
               <a:extLst>
                 <a:ext uri="{91240B29-F687-4f45-9708-019B960494DF}">
-                  <a14:hiddenLine xmlns="" xmlns:a14="http://schemas.microsoft.com/office/drawing/2010/main" w="9525">
+                  <a14:hiddenLine xmlns:a14="http://schemas.microsoft.com/office/drawing/2010/main" xmlns="" w="9525">
                     <a:solidFill>
                       <a:srgbClr val="000000"/>
                     </a:solidFill>
@@ -26038,7 +25920,7 @@
               </a:ln>
               <a:extLst>
                 <a:ext uri="{91240B29-F687-4f45-9708-019B960494DF}">
-                  <a14:hiddenLine xmlns="" xmlns:a14="http://schemas.microsoft.com/office/drawing/2010/main" w="9525">
+                  <a14:hiddenLine xmlns:a14="http://schemas.microsoft.com/office/drawing/2010/main" xmlns="" w="9525">
                     <a:solidFill>
                       <a:srgbClr val="000000"/>
                     </a:solidFill>
@@ -26153,7 +26035,7 @@
               </a:ln>
               <a:extLst>
                 <a:ext uri="{91240B29-F687-4f45-9708-019B960494DF}">
-                  <a14:hiddenLine xmlns="" xmlns:a14="http://schemas.microsoft.com/office/drawing/2010/main" w="9525">
+                  <a14:hiddenLine xmlns:a14="http://schemas.microsoft.com/office/drawing/2010/main" xmlns="" w="9525">
                     <a:solidFill>
                       <a:srgbClr val="000000"/>
                     </a:solidFill>
@@ -26243,7 +26125,7 @@
               </a:ln>
               <a:extLst>
                 <a:ext uri="{91240B29-F687-4f45-9708-019B960494DF}">
-                  <a14:hiddenLine xmlns="" xmlns:a14="http://schemas.microsoft.com/office/drawing/2010/main" w="9525">
+                  <a14:hiddenLine xmlns:a14="http://schemas.microsoft.com/office/drawing/2010/main" xmlns="" w="9525">
                     <a:solidFill>
                       <a:srgbClr val="000000"/>
                     </a:solidFill>
@@ -26308,7 +26190,7 @@
               </a:ln>
               <a:extLst>
                 <a:ext uri="{91240B29-F687-4f45-9708-019B960494DF}">
-                  <a14:hiddenLine xmlns="" xmlns:a14="http://schemas.microsoft.com/office/drawing/2010/main" w="9525">
+                  <a14:hiddenLine xmlns:a14="http://schemas.microsoft.com/office/drawing/2010/main" xmlns="" w="9525">
                     <a:solidFill>
                       <a:srgbClr val="000000"/>
                     </a:solidFill>
@@ -26398,7 +26280,7 @@
               </a:ln>
               <a:extLst>
                 <a:ext uri="{91240B29-F687-4f45-9708-019B960494DF}">
-                  <a14:hiddenLine xmlns="" xmlns:a14="http://schemas.microsoft.com/office/drawing/2010/main" w="9525">
+                  <a14:hiddenLine xmlns:a14="http://schemas.microsoft.com/office/drawing/2010/main" xmlns="" w="9525">
                     <a:solidFill>
                       <a:srgbClr val="000000"/>
                     </a:solidFill>
@@ -26466,7 +26348,7 @@
               </a:ln>
               <a:extLst>
                 <a:ext uri="{91240B29-F687-4f45-9708-019B960494DF}">
-                  <a14:hiddenLine xmlns="" xmlns:a14="http://schemas.microsoft.com/office/drawing/2010/main" w="9525">
+                  <a14:hiddenLine xmlns:a14="http://schemas.microsoft.com/office/drawing/2010/main" xmlns="" w="9525">
                     <a:solidFill>
                       <a:srgbClr val="000000"/>
                     </a:solidFill>
@@ -26556,7 +26438,7 @@
               </a:ln>
               <a:extLst>
                 <a:ext uri="{91240B29-F687-4f45-9708-019B960494DF}">
-                  <a14:hiddenLine xmlns="" xmlns:a14="http://schemas.microsoft.com/office/drawing/2010/main" w="9525">
+                  <a14:hiddenLine xmlns:a14="http://schemas.microsoft.com/office/drawing/2010/main" xmlns="" w="9525">
                     <a:solidFill>
                       <a:srgbClr val="000000"/>
                     </a:solidFill>
@@ -26624,7 +26506,7 @@
               </a:ln>
               <a:extLst>
                 <a:ext uri="{91240B29-F687-4f45-9708-019B960494DF}">
-                  <a14:hiddenLine xmlns="" xmlns:a14="http://schemas.microsoft.com/office/drawing/2010/main" w="9525">
+                  <a14:hiddenLine xmlns:a14="http://schemas.microsoft.com/office/drawing/2010/main" xmlns="" w="9525">
                     <a:solidFill>
                       <a:srgbClr val="000000"/>
                     </a:solidFill>
@@ -26714,7 +26596,7 @@
               </a:ln>
               <a:extLst>
                 <a:ext uri="{91240B29-F687-4f45-9708-019B960494DF}">
-                  <a14:hiddenLine xmlns="" xmlns:a14="http://schemas.microsoft.com/office/drawing/2010/main" w="9525">
+                  <a14:hiddenLine xmlns:a14="http://schemas.microsoft.com/office/drawing/2010/main" xmlns="" w="9525">
                     <a:solidFill>
                       <a:srgbClr val="000000"/>
                     </a:solidFill>
@@ -26748,7 +26630,7 @@
               </a:ln>
               <a:extLst>
                 <a:ext uri="{91240B29-F687-4f45-9708-019B960494DF}">
-                  <a14:hiddenLine xmlns="" xmlns:a14="http://schemas.microsoft.com/office/drawing/2010/main" w="9525">
+                  <a14:hiddenLine xmlns:a14="http://schemas.microsoft.com/office/drawing/2010/main" xmlns="" w="9525">
                     <a:solidFill>
                       <a:srgbClr val="000000"/>
                     </a:solidFill>
@@ -26889,7 +26771,7 @@
             <a:fld id="{48A87A34-81AB-432B-8DAE-1953F412C126}" type="datetimeFigureOut">
               <a:rPr lang="en-US" smtClean="0"/>
               <a:pPr/>
-              <a:t>9/24/2018</a:t>
+              <a:t>10/1/2018</a:t>
             </a:fld>
             <a:endParaRPr lang="en-US" dirty="0"/>
           </a:p>
@@ -27315,7 +27197,7 @@
           <p:cNvPr id="2" name="Title 1">
             <a:extLst>
               <a:ext uri="{FF2B5EF4-FFF2-40B4-BE49-F238E27FC236}">
-                <a16:creationId xmlns:a16="http://schemas.microsoft.com/office/drawing/2014/main" id="{13EC82E0-F7DF-4DC5-9E89-0A37C7349EA4}"/>
+                <a16:creationId xmlns:a16="http://schemas.microsoft.com/office/drawing/2014/main" xmlns="" id="{13EC82E0-F7DF-4DC5-9E89-0A37C7349EA4}"/>
               </a:ext>
             </a:extLst>
           </p:cNvPr>
@@ -27348,7 +27230,7 @@
           <p:cNvPr id="6" name="Content Placeholder 5">
             <a:extLst>
               <a:ext uri="{FF2B5EF4-FFF2-40B4-BE49-F238E27FC236}">
-                <a16:creationId xmlns:a16="http://schemas.microsoft.com/office/drawing/2014/main" id="{78492F99-E456-4585-BE3E-2AE03927F4BC}"/>
+                <a16:creationId xmlns:a16="http://schemas.microsoft.com/office/drawing/2014/main" xmlns="" id="{78492F99-E456-4585-BE3E-2AE03927F4BC}"/>
               </a:ext>
             </a:extLst>
           </p:cNvPr>
@@ -27379,7 +27261,7 @@
           <p:cNvPr id="7" name="TextBox 6">
             <a:extLst>
               <a:ext uri="{FF2B5EF4-FFF2-40B4-BE49-F238E27FC236}">
-                <a16:creationId xmlns:a16="http://schemas.microsoft.com/office/drawing/2014/main" id="{EB56D653-3D84-4CD7-B818-B5A7ACB8BB12}"/>
+                <a16:creationId xmlns:a16="http://schemas.microsoft.com/office/drawing/2014/main" xmlns="" id="{EB56D653-3D84-4CD7-B818-B5A7ACB8BB12}"/>
               </a:ext>
             </a:extLst>
           </p:cNvPr>
@@ -27419,13 +27301,13 @@
   <p:clrMapOvr>
     <a:masterClrMapping/>
   </p:clrMapOvr>
-  <mc:AlternateContent xmlns:mc="http://schemas.openxmlformats.org/markup-compatibility/2006">
-    <mc:Choice xmlns:p14="http://schemas.microsoft.com/office/powerpoint/2010/main" Requires="p14">
+  <mc:AlternateContent xmlns:mc="http://schemas.openxmlformats.org/markup-compatibility/2006" xmlns:p14="http://schemas.microsoft.com/office/powerpoint/2010/main">
+    <mc:Choice Requires="p14">
       <p:transition p14:dur="100">
         <p:cut/>
       </p:transition>
     </mc:Choice>
-    <mc:Fallback>
+    <mc:Fallback xmlns="">
       <p:transition>
         <p:cut/>
       </p:transition>
@@ -27456,7 +27338,7 @@
           <p:cNvPr id="2" name="Title 1">
             <a:extLst>
               <a:ext uri="{FF2B5EF4-FFF2-40B4-BE49-F238E27FC236}">
-                <a16:creationId xmlns:a16="http://schemas.microsoft.com/office/drawing/2014/main" id="{E26FD763-8114-425F-B803-7A30A0CCC558}"/>
+                <a16:creationId xmlns:a16="http://schemas.microsoft.com/office/drawing/2014/main" xmlns="" id="{E26FD763-8114-425F-B803-7A30A0CCC558}"/>
               </a:ext>
             </a:extLst>
           </p:cNvPr>
@@ -27484,7 +27366,7 @@
           <p:cNvPr id="6" name="Content Placeholder 5">
             <a:extLst>
               <a:ext uri="{FF2B5EF4-FFF2-40B4-BE49-F238E27FC236}">
-                <a16:creationId xmlns:a16="http://schemas.microsoft.com/office/drawing/2014/main" id="{8B072023-F857-4B5D-8BE8-D49DDC46BDFE}"/>
+                <a16:creationId xmlns:a16="http://schemas.microsoft.com/office/drawing/2014/main" xmlns="" id="{8B072023-F857-4B5D-8BE8-D49DDC46BDFE}"/>
               </a:ext>
             </a:extLst>
           </p:cNvPr>
@@ -27515,7 +27397,7 @@
           <p:cNvPr id="7" name="TextBox 6">
             <a:extLst>
               <a:ext uri="{FF2B5EF4-FFF2-40B4-BE49-F238E27FC236}">
-                <a16:creationId xmlns:a16="http://schemas.microsoft.com/office/drawing/2014/main" id="{CE865534-20EF-4278-8E3C-62FE9CBE2A27}"/>
+                <a16:creationId xmlns:a16="http://schemas.microsoft.com/office/drawing/2014/main" xmlns="" id="{CE865534-20EF-4278-8E3C-62FE9CBE2A27}"/>
               </a:ext>
             </a:extLst>
           </p:cNvPr>
@@ -27580,7 +27462,7 @@
           <p:cNvPr id="2" name="Title 1">
             <a:extLst>
               <a:ext uri="{FF2B5EF4-FFF2-40B4-BE49-F238E27FC236}">
-                <a16:creationId xmlns:a16="http://schemas.microsoft.com/office/drawing/2014/main" id="{EE15DD52-4A42-4536-8E29-9C61FF163902}"/>
+                <a16:creationId xmlns:a16="http://schemas.microsoft.com/office/drawing/2014/main" xmlns="" id="{EE15DD52-4A42-4536-8E29-9C61FF163902}"/>
               </a:ext>
             </a:extLst>
           </p:cNvPr>
@@ -27608,7 +27490,7 @@
           <p:cNvPr id="6" name="Content Placeholder 5">
             <a:extLst>
               <a:ext uri="{FF2B5EF4-FFF2-40B4-BE49-F238E27FC236}">
-                <a16:creationId xmlns:a16="http://schemas.microsoft.com/office/drawing/2014/main" id="{309D3510-8541-4132-AB9A-5255551C112B}"/>
+                <a16:creationId xmlns:a16="http://schemas.microsoft.com/office/drawing/2014/main" xmlns="" id="{309D3510-8541-4132-AB9A-5255551C112B}"/>
               </a:ext>
             </a:extLst>
           </p:cNvPr>
@@ -27619,7 +27501,7 @@
             <p:ph idx="1"/>
             <p:extLst>
               <p:ext uri="{D42A27DB-BD31-4B8C-83A1-F6EECF244321}">
-                <p14:modId xmlns:p14="http://schemas.microsoft.com/office/powerpoint/2010/main" val="171474852"/>
+                <p14:modId xmlns:p14="http://schemas.microsoft.com/office/powerpoint/2010/main" val="1433184703"/>
               </p:ext>
             </p:extLst>
           </p:nvPr>
@@ -27669,7 +27551,7 @@
           <p:cNvPr id="2" name="Title 1">
             <a:extLst>
               <a:ext uri="{FF2B5EF4-FFF2-40B4-BE49-F238E27FC236}">
-                <a16:creationId xmlns:a16="http://schemas.microsoft.com/office/drawing/2014/main" id="{EEAAB89C-7188-41CA-ADE8-39FFC5D58EA3}"/>
+                <a16:creationId xmlns:a16="http://schemas.microsoft.com/office/drawing/2014/main" xmlns="" id="{EEAAB89C-7188-41CA-ADE8-39FFC5D58EA3}"/>
               </a:ext>
             </a:extLst>
           </p:cNvPr>
@@ -27697,7 +27579,7 @@
           <p:cNvPr id="4" name="Content Placeholder 3">
             <a:extLst>
               <a:ext uri="{FF2B5EF4-FFF2-40B4-BE49-F238E27FC236}">
-                <a16:creationId xmlns:a16="http://schemas.microsoft.com/office/drawing/2014/main" id="{ABAA71C2-9177-4C58-9A44-ABFB25937746}"/>
+                <a16:creationId xmlns:a16="http://schemas.microsoft.com/office/drawing/2014/main" xmlns="" id="{ABAA71C2-9177-4C58-9A44-ABFB25937746}"/>
               </a:ext>
             </a:extLst>
           </p:cNvPr>
@@ -27758,7 +27640,7 @@
           <p:cNvPr id="2" name="Title 1">
             <a:extLst>
               <a:ext uri="{FF2B5EF4-FFF2-40B4-BE49-F238E27FC236}">
-                <a16:creationId xmlns:a16="http://schemas.microsoft.com/office/drawing/2014/main" id="{0DCC9126-3AA6-47B5-8DDF-7CCD094AF4E6}"/>
+                <a16:creationId xmlns:a16="http://schemas.microsoft.com/office/drawing/2014/main" xmlns="" id="{0DCC9126-3AA6-47B5-8DDF-7CCD094AF4E6}"/>
               </a:ext>
             </a:extLst>
           </p:cNvPr>
@@ -27786,7 +27668,7 @@
           <p:cNvPr id="5" name="Content Placeholder 4">
             <a:extLst>
               <a:ext uri="{FF2B5EF4-FFF2-40B4-BE49-F238E27FC236}">
-                <a16:creationId xmlns:a16="http://schemas.microsoft.com/office/drawing/2014/main" id="{A15EE00D-1829-42D9-A5E8-83ADAD9B930D}"/>
+                <a16:creationId xmlns:a16="http://schemas.microsoft.com/office/drawing/2014/main" xmlns="" id="{A15EE00D-1829-42D9-A5E8-83ADAD9B930D}"/>
               </a:ext>
             </a:extLst>
           </p:cNvPr>
